--- a/EXERCÍCIOS.pptx
+++ b/EXERCÍCIOS.pptx
@@ -8,25 +8,22 @@
     <p:sldId id="256" r:id="rId2"/>
     <p:sldId id="258" r:id="rId3"/>
     <p:sldId id="257" r:id="rId4"/>
-    <p:sldId id="259" r:id="rId5"/>
-    <p:sldId id="260" r:id="rId6"/>
-    <p:sldId id="261" r:id="rId7"/>
-    <p:sldId id="262" r:id="rId8"/>
-    <p:sldId id="263" r:id="rId9"/>
-    <p:sldId id="264" r:id="rId10"/>
-    <p:sldId id="265" r:id="rId11"/>
-    <p:sldId id="266" r:id="rId12"/>
-    <p:sldId id="267" r:id="rId13"/>
-    <p:sldId id="268" r:id="rId14"/>
-    <p:sldId id="269" r:id="rId15"/>
-    <p:sldId id="270" r:id="rId16"/>
-    <p:sldId id="271" r:id="rId17"/>
-    <p:sldId id="272" r:id="rId18"/>
-    <p:sldId id="273" r:id="rId19"/>
-    <p:sldId id="274" r:id="rId20"/>
-    <p:sldId id="275" r:id="rId21"/>
-    <p:sldId id="276" r:id="rId22"/>
-    <p:sldId id="277" r:id="rId23"/>
+    <p:sldId id="260" r:id="rId5"/>
+    <p:sldId id="261" r:id="rId6"/>
+    <p:sldId id="262" r:id="rId7"/>
+    <p:sldId id="263" r:id="rId8"/>
+    <p:sldId id="264" r:id="rId9"/>
+    <p:sldId id="265" r:id="rId10"/>
+    <p:sldId id="266" r:id="rId11"/>
+    <p:sldId id="269" r:id="rId12"/>
+    <p:sldId id="272" r:id="rId13"/>
+    <p:sldId id="273" r:id="rId14"/>
+    <p:sldId id="276" r:id="rId15"/>
+    <p:sldId id="277" r:id="rId16"/>
+    <p:sldId id="278" r:id="rId17"/>
+    <p:sldId id="281" r:id="rId18"/>
+    <p:sldId id="282" r:id="rId19"/>
+    <p:sldId id="283" r:id="rId20"/>
   </p:sldIdLst>
   <p:sldSz cx="9144000" cy="6858000" type="screen4x3"/>
   <p:notesSz cx="6858000" cy="9144000"/>
@@ -310,7 +307,7 @@
             <a:fld id="{6500682E-F9DD-4725-BE87-3B33B036777F}" type="datetimeFigureOut">
               <a:rPr lang="pt-BR" smtClean="0"/>
               <a:pPr/>
-              <a:t>10/11/2022</a:t>
+              <a:t>11/11/2022</a:t>
             </a:fld>
             <a:endParaRPr lang="pt-BR"/>
           </a:p>
@@ -477,7 +474,7 @@
             <a:fld id="{6500682E-F9DD-4725-BE87-3B33B036777F}" type="datetimeFigureOut">
               <a:rPr lang="pt-BR" smtClean="0"/>
               <a:pPr/>
-              <a:t>10/11/2022</a:t>
+              <a:t>11/11/2022</a:t>
             </a:fld>
             <a:endParaRPr lang="pt-BR"/>
           </a:p>
@@ -654,7 +651,7 @@
             <a:fld id="{6500682E-F9DD-4725-BE87-3B33B036777F}" type="datetimeFigureOut">
               <a:rPr lang="pt-BR" smtClean="0"/>
               <a:pPr/>
-              <a:t>10/11/2022</a:t>
+              <a:t>11/11/2022</a:t>
             </a:fld>
             <a:endParaRPr lang="pt-BR"/>
           </a:p>
@@ -821,7 +818,7 @@
             <a:fld id="{6500682E-F9DD-4725-BE87-3B33B036777F}" type="datetimeFigureOut">
               <a:rPr lang="pt-BR" smtClean="0"/>
               <a:pPr/>
-              <a:t>10/11/2022</a:t>
+              <a:t>11/11/2022</a:t>
             </a:fld>
             <a:endParaRPr lang="pt-BR"/>
           </a:p>
@@ -1064,7 +1061,7 @@
             <a:fld id="{6500682E-F9DD-4725-BE87-3B33B036777F}" type="datetimeFigureOut">
               <a:rPr lang="pt-BR" smtClean="0"/>
               <a:pPr/>
-              <a:t>10/11/2022</a:t>
+              <a:t>11/11/2022</a:t>
             </a:fld>
             <a:endParaRPr lang="pt-BR"/>
           </a:p>
@@ -1349,7 +1346,7 @@
             <a:fld id="{6500682E-F9DD-4725-BE87-3B33B036777F}" type="datetimeFigureOut">
               <a:rPr lang="pt-BR" smtClean="0"/>
               <a:pPr/>
-              <a:t>10/11/2022</a:t>
+              <a:t>11/11/2022</a:t>
             </a:fld>
             <a:endParaRPr lang="pt-BR"/>
           </a:p>
@@ -1768,7 +1765,7 @@
             <a:fld id="{6500682E-F9DD-4725-BE87-3B33B036777F}" type="datetimeFigureOut">
               <a:rPr lang="pt-BR" smtClean="0"/>
               <a:pPr/>
-              <a:t>10/11/2022</a:t>
+              <a:t>11/11/2022</a:t>
             </a:fld>
             <a:endParaRPr lang="pt-BR"/>
           </a:p>
@@ -1883,7 +1880,7 @@
             <a:fld id="{6500682E-F9DD-4725-BE87-3B33B036777F}" type="datetimeFigureOut">
               <a:rPr lang="pt-BR" smtClean="0"/>
               <a:pPr/>
-              <a:t>10/11/2022</a:t>
+              <a:t>11/11/2022</a:t>
             </a:fld>
             <a:endParaRPr lang="pt-BR"/>
           </a:p>
@@ -1975,7 +1972,7 @@
             <a:fld id="{6500682E-F9DD-4725-BE87-3B33B036777F}" type="datetimeFigureOut">
               <a:rPr lang="pt-BR" smtClean="0"/>
               <a:pPr/>
-              <a:t>10/11/2022</a:t>
+              <a:t>11/11/2022</a:t>
             </a:fld>
             <a:endParaRPr lang="pt-BR"/>
           </a:p>
@@ -2249,7 +2246,7 @@
             <a:fld id="{6500682E-F9DD-4725-BE87-3B33B036777F}" type="datetimeFigureOut">
               <a:rPr lang="pt-BR" smtClean="0"/>
               <a:pPr/>
-              <a:t>10/11/2022</a:t>
+              <a:t>11/11/2022</a:t>
             </a:fld>
             <a:endParaRPr lang="pt-BR"/>
           </a:p>
@@ -2499,7 +2496,7 @@
             <a:fld id="{6500682E-F9DD-4725-BE87-3B33B036777F}" type="datetimeFigureOut">
               <a:rPr lang="pt-BR" smtClean="0"/>
               <a:pPr/>
-              <a:t>10/11/2022</a:t>
+              <a:t>11/11/2022</a:t>
             </a:fld>
             <a:endParaRPr lang="pt-BR"/>
           </a:p>
@@ -2733,7 +2730,7 @@
             <a:fld id="{6500682E-F9DD-4725-BE87-3B33B036777F}" type="datetimeFigureOut">
               <a:rPr lang="pt-BR" smtClean="0"/>
               <a:pPr/>
-              <a:t>10/11/2022</a:t>
+              <a:t>11/11/2022</a:t>
             </a:fld>
             <a:endParaRPr lang="pt-BR"/>
           </a:p>
@@ -3154,25 +3151,6 @@
       </p:grpSpPr>
       <p:sp>
         <p:nvSpPr>
-          <p:cNvPr id="2" name="Título 1"/>
-          <p:cNvSpPr>
-            <a:spLocks noGrp="1"/>
-          </p:cNvSpPr>
-          <p:nvPr>
-            <p:ph type="title"/>
-          </p:nvPr>
-        </p:nvSpPr>
-        <p:spPr/>
-        <p:txBody>
-          <a:bodyPr/>
-          <a:lstStyle/>
-          <a:p>
-            <a:endParaRPr lang="pt-BR" dirty="0"/>
-          </a:p>
-        </p:txBody>
-      </p:sp>
-      <p:sp>
-        <p:nvSpPr>
           <p:cNvPr id="3" name="Espaço Reservado para Conteúdo 2"/>
           <p:cNvSpPr>
             <a:spLocks noGrp="1"/>
@@ -3181,123 +3159,64 @@
             <p:ph idx="1"/>
           </p:nvPr>
         </p:nvSpPr>
-        <p:spPr/>
-        <p:txBody>
-          <a:bodyPr>
-            <a:normAutofit fontScale="85000" lnSpcReduction="20000"/>
-          </a:bodyPr>
-          <a:lstStyle/>
-          <a:p>
-            <a:r>
-              <a:rPr lang="pt-BR" dirty="0" smtClean="0"/>
-              <a:t>Qual alternativa é a correta para a saída do código abaixo? </a:t>
-            </a:r>
-          </a:p>
-          <a:p>
-            <a:pPr lvl="1">
-              <a:buNone/>
-            </a:pPr>
-            <a:r>
-              <a:rPr lang="pt-BR" dirty="0" smtClean="0"/>
-              <a:t>var </a:t>
-            </a:r>
-          </a:p>
-          <a:p>
-            <a:pPr lvl="1">
-              <a:buNone/>
-            </a:pPr>
-            <a:r>
-              <a:rPr lang="pt-BR" dirty="0"/>
-              <a:t>	</a:t>
-            </a:r>
-            <a:r>
-              <a:rPr lang="pt-BR" dirty="0" smtClean="0"/>
-              <a:t>a, b, c : inteiro</a:t>
-            </a:r>
-          </a:p>
-          <a:p>
-            <a:pPr lvl="1">
-              <a:buNone/>
-            </a:pPr>
-            <a:r>
-              <a:rPr lang="pt-BR" dirty="0"/>
-              <a:t>i</a:t>
-            </a:r>
-            <a:r>
-              <a:rPr lang="pt-BR" dirty="0" smtClean="0"/>
-              <a:t>nicio </a:t>
-            </a:r>
-          </a:p>
-          <a:p>
-            <a:pPr lvl="1">
-              <a:buNone/>
-            </a:pPr>
-            <a:r>
-              <a:rPr lang="pt-BR" dirty="0" smtClean="0"/>
-              <a:t>a &lt;- 7</a:t>
-            </a:r>
-          </a:p>
-          <a:p>
-            <a:pPr lvl="1">
-              <a:buNone/>
-            </a:pPr>
-            <a:r>
-              <a:rPr lang="pt-BR" dirty="0" smtClean="0"/>
-              <a:t>b &lt;-  a \ 2</a:t>
-            </a:r>
-          </a:p>
-          <a:p>
-            <a:pPr lvl="1">
-              <a:buNone/>
-            </a:pPr>
-            <a:r>
-              <a:rPr lang="pt-BR" dirty="0" smtClean="0"/>
-              <a:t>c &lt;- a</a:t>
-            </a:r>
-          </a:p>
-          <a:p>
-            <a:pPr lvl="1">
-              <a:buNone/>
-            </a:pPr>
-            <a:r>
-              <a:rPr lang="pt-BR" dirty="0" smtClean="0"/>
-              <a:t>a&lt;- b</a:t>
-            </a:r>
-          </a:p>
-          <a:p>
-            <a:pPr lvl="1">
-              <a:buNone/>
-            </a:pPr>
-            <a:r>
-              <a:rPr lang="pt-BR" dirty="0" smtClean="0"/>
-              <a:t>b&lt;- c</a:t>
-            </a:r>
-          </a:p>
-          <a:p>
-            <a:pPr lvl="1">
-              <a:buNone/>
-            </a:pPr>
-            <a:r>
-              <a:rPr lang="pt-BR" dirty="0" err="1" smtClean="0"/>
-              <a:t>Escreval</a:t>
-            </a:r>
-            <a:r>
-              <a:rPr lang="pt-BR" dirty="0" smtClean="0"/>
-              <a:t>(a)</a:t>
-            </a:r>
-          </a:p>
-          <a:p>
-            <a:pPr lvl="1">
-              <a:buNone/>
-            </a:pPr>
-            <a:r>
-              <a:rPr lang="pt-BR" dirty="0" err="1" smtClean="0"/>
-              <a:t>fimalgoritmo</a:t>
-            </a:r>
-            <a:r>
-              <a:rPr lang="pt-BR" dirty="0" smtClean="0"/>
-              <a:t> </a:t>
-            </a:r>
+        <p:spPr>
+          <a:xfrm>
+            <a:off x="428596" y="357166"/>
+            <a:ext cx="8229600" cy="4525963"/>
+          </a:xfrm>
+        </p:spPr>
+        <p:txBody>
+          <a:bodyPr/>
+          <a:lstStyle/>
+          <a:p>
+            <a:pPr marL="514350" indent="-514350">
+              <a:buAutoNum type="alphaUcParenR"/>
+            </a:pPr>
+            <a:r>
+              <a:rPr lang="pt-BR" dirty="0" smtClean="0"/>
+              <a:t>0</a:t>
+            </a:r>
+          </a:p>
+          <a:p>
+            <a:pPr marL="514350" indent="-514350">
+              <a:buAutoNum type="alphaUcParenR"/>
+            </a:pPr>
+            <a:r>
+              <a:rPr lang="pt-BR" dirty="0" smtClean="0"/>
+              <a:t>3.5</a:t>
+            </a:r>
+          </a:p>
+          <a:p>
+            <a:pPr marL="514350" indent="-514350">
+              <a:buAutoNum type="alphaUcParenR"/>
+            </a:pPr>
+            <a:r>
+              <a:rPr lang="pt-BR" dirty="0" smtClean="0"/>
+              <a:t>3</a:t>
+            </a:r>
+          </a:p>
+          <a:p>
+            <a:pPr marL="514350" indent="-514350">
+              <a:buAutoNum type="alphaUcParenR"/>
+            </a:pPr>
+            <a:r>
+              <a:rPr lang="pt-BR" dirty="0" smtClean="0"/>
+              <a:t>7</a:t>
+            </a:r>
+          </a:p>
+          <a:p>
+            <a:pPr marL="514350" indent="-514350">
+              <a:buAutoNum type="alphaUcParenR"/>
+            </a:pPr>
+            <a:r>
+              <a:rPr lang="pt-BR" dirty="0" smtClean="0"/>
+              <a:t>6</a:t>
+            </a:r>
+          </a:p>
+          <a:p>
+            <a:pPr marL="514350" indent="-514350">
+              <a:buAutoNum type="alphaUcParenR"/>
+            </a:pPr>
             <a:endParaRPr lang="pt-BR" dirty="0"/>
           </a:p>
         </p:txBody>
@@ -3329,25 +3248,6 @@
       </p:grpSpPr>
       <p:sp>
         <p:nvSpPr>
-          <p:cNvPr id="2" name="Título 1"/>
-          <p:cNvSpPr>
-            <a:spLocks noGrp="1"/>
-          </p:cNvSpPr>
-          <p:nvPr>
-            <p:ph type="title"/>
-          </p:nvPr>
-        </p:nvSpPr>
-        <p:spPr/>
-        <p:txBody>
-          <a:bodyPr/>
-          <a:lstStyle/>
-          <a:p>
-            <a:endParaRPr lang="pt-BR"/>
-          </a:p>
-        </p:txBody>
-      </p:sp>
-      <p:sp>
-        <p:nvSpPr>
           <p:cNvPr id="3" name="Espaço Reservado para Conteúdo 2"/>
           <p:cNvSpPr>
             <a:spLocks noGrp="1"/>
@@ -3356,59 +3256,40 @@
             <p:ph idx="1"/>
           </p:nvPr>
         </p:nvSpPr>
-        <p:spPr/>
-        <p:txBody>
-          <a:bodyPr/>
-          <a:lstStyle/>
-          <a:p>
-            <a:pPr marL="514350" indent="-514350">
-              <a:buAutoNum type="alphaUcParenR"/>
-            </a:pPr>
-            <a:r>
-              <a:rPr lang="pt-BR" dirty="0" smtClean="0"/>
-              <a:t>0</a:t>
-            </a:r>
-          </a:p>
-          <a:p>
-            <a:pPr marL="514350" indent="-514350">
-              <a:buAutoNum type="alphaUcParenR"/>
-            </a:pPr>
-            <a:r>
-              <a:rPr lang="pt-BR" dirty="0" smtClean="0"/>
-              <a:t>3.5</a:t>
-            </a:r>
-          </a:p>
-          <a:p>
-            <a:pPr marL="514350" indent="-514350">
-              <a:buAutoNum type="alphaUcParenR"/>
-            </a:pPr>
-            <a:r>
-              <a:rPr lang="pt-BR" dirty="0" smtClean="0"/>
-              <a:t>3</a:t>
-            </a:r>
-          </a:p>
-          <a:p>
-            <a:pPr marL="514350" indent="-514350">
-              <a:buAutoNum type="alphaUcParenR"/>
-            </a:pPr>
-            <a:r>
-              <a:rPr lang="pt-BR" dirty="0" smtClean="0"/>
-              <a:t>7</a:t>
-            </a:r>
-          </a:p>
-          <a:p>
-            <a:pPr marL="514350" indent="-514350">
-              <a:buAutoNum type="alphaUcParenR"/>
-            </a:pPr>
-            <a:r>
-              <a:rPr lang="pt-BR" dirty="0" smtClean="0"/>
-              <a:t>6</a:t>
-            </a:r>
-          </a:p>
-          <a:p>
-            <a:pPr marL="514350" indent="-514350">
-              <a:buAutoNum type="alphaUcParenR"/>
-            </a:pPr>
+        <p:spPr>
+          <a:xfrm>
+            <a:off x="457200" y="357166"/>
+            <a:ext cx="8229600" cy="5768997"/>
+          </a:xfrm>
+        </p:spPr>
+        <p:txBody>
+          <a:bodyPr>
+            <a:normAutofit/>
+          </a:bodyPr>
+          <a:lstStyle/>
+          <a:p>
+            <a:r>
+              <a:rPr lang="pt-BR" dirty="0"/>
+              <a:t>Um homem precisa atravessar um rio com um barco que possui capacidade de transportar apenas ele mesmo e mais uma de suas três cargas, que são: um lobo, um bode e uma caixa de alfafa. Indique as ações necessárias para que o homem consiga atravessar o rio sem perder suas cargas.</a:t>
+            </a:r>
+          </a:p>
+          <a:p>
+            <a:pPr lvl="0"/>
+            <a:r>
+              <a:rPr lang="pt-BR" b="1" dirty="0"/>
+              <a:t>O lobo não pode ficar sozinho com o bode, senão ele o come;</a:t>
+            </a:r>
+            <a:endParaRPr lang="pt-BR" dirty="0"/>
+          </a:p>
+          <a:p>
+            <a:pPr lvl="0"/>
+            <a:r>
+              <a:rPr lang="pt-BR" b="1" dirty="0"/>
+              <a:t>O bode não pode ficar sozinho com a caixa de alfafa, senão a come;</a:t>
+            </a:r>
+            <a:endParaRPr lang="pt-BR" dirty="0"/>
+          </a:p>
+          <a:p>
             <a:endParaRPr lang="pt-BR" dirty="0"/>
           </a:p>
         </p:txBody>
@@ -3440,25 +3321,6 @@
       </p:grpSpPr>
       <p:sp>
         <p:nvSpPr>
-          <p:cNvPr id="2" name="Título 1"/>
-          <p:cNvSpPr>
-            <a:spLocks noGrp="1"/>
-          </p:cNvSpPr>
-          <p:nvPr>
-            <p:ph type="title"/>
-          </p:nvPr>
-        </p:nvSpPr>
-        <p:spPr/>
-        <p:txBody>
-          <a:bodyPr/>
-          <a:lstStyle/>
-          <a:p>
-            <a:endParaRPr lang="pt-BR" dirty="0"/>
-          </a:p>
-        </p:txBody>
-      </p:sp>
-      <p:sp>
-        <p:nvSpPr>
           <p:cNvPr id="3" name="Espaço Reservado para Conteúdo 2"/>
           <p:cNvSpPr>
             <a:spLocks noGrp="1"/>
@@ -3467,92 +3329,23 @@
             <p:ph idx="1"/>
           </p:nvPr>
         </p:nvSpPr>
-        <p:spPr/>
-        <p:txBody>
-          <a:bodyPr/>
-          <a:lstStyle/>
-          <a:p>
-            <a:r>
-              <a:rPr lang="pt-BR" dirty="0" smtClean="0"/>
-              <a:t>Qual a saída na tela para o código abaixo?</a:t>
-            </a:r>
-          </a:p>
-          <a:p>
-            <a:pPr>
-              <a:buNone/>
-            </a:pPr>
-            <a:r>
-              <a:rPr lang="pt-BR" dirty="0"/>
-              <a:t>	</a:t>
-            </a:r>
-            <a:r>
-              <a:rPr lang="pt-BR" dirty="0" smtClean="0"/>
-              <a:t>var </a:t>
-            </a:r>
-          </a:p>
-          <a:p>
-            <a:pPr>
-              <a:buNone/>
-            </a:pPr>
-            <a:r>
-              <a:rPr lang="pt-BR" dirty="0"/>
-              <a:t>	</a:t>
-            </a:r>
-            <a:r>
-              <a:rPr lang="pt-BR" dirty="0" smtClean="0"/>
-              <a:t>	x : real </a:t>
-            </a:r>
-          </a:p>
-          <a:p>
-            <a:pPr>
-              <a:buNone/>
-            </a:pPr>
-            <a:r>
-              <a:rPr lang="pt-BR" dirty="0"/>
-              <a:t>	</a:t>
-            </a:r>
-            <a:r>
-              <a:rPr lang="pt-BR" dirty="0" smtClean="0"/>
-              <a:t>inicio </a:t>
-            </a:r>
-          </a:p>
-          <a:p>
-            <a:pPr>
-              <a:buNone/>
-            </a:pPr>
-            <a:r>
-              <a:rPr lang="pt-BR" dirty="0"/>
-              <a:t>	</a:t>
-            </a:r>
-            <a:r>
-              <a:rPr lang="pt-BR" dirty="0" smtClean="0"/>
-              <a:t>	x &lt;- (2 ^ 8) -100 \ 3</a:t>
-            </a:r>
-          </a:p>
-          <a:p>
-            <a:pPr>
-              <a:buNone/>
-            </a:pPr>
-            <a:r>
-              <a:rPr lang="pt-BR" dirty="0"/>
-              <a:t>	</a:t>
-            </a:r>
-            <a:r>
-              <a:rPr lang="pt-BR" dirty="0" smtClean="0"/>
-              <a:t>	escreva (x – (2 *32 -10) )</a:t>
-            </a:r>
-          </a:p>
-          <a:p>
-            <a:pPr>
-              <a:buNone/>
-            </a:pPr>
-            <a:r>
-              <a:rPr lang="pt-BR" dirty="0"/>
-              <a:t>	</a:t>
-            </a:r>
-            <a:r>
-              <a:rPr lang="pt-BR" dirty="0" err="1" smtClean="0"/>
-              <a:t>fimalgoritmo</a:t>
+        <p:spPr>
+          <a:xfrm>
+            <a:off x="428596" y="285728"/>
+            <a:ext cx="8229600" cy="4525963"/>
+          </a:xfrm>
+        </p:spPr>
+        <p:txBody>
+          <a:bodyPr/>
+          <a:lstStyle/>
+          <a:p>
+            <a:r>
+              <a:rPr lang="pt-BR" dirty="0" smtClean="0"/>
+              <a:t>Ler dois números inteiros, x e y, e imprimir a soma, multiplicação, divisão e subtração deles na tela e dizer se o resultado é um número ímpar ou </a:t>
+            </a:r>
+            <a:r>
+              <a:rPr lang="pt-BR" smtClean="0"/>
+              <a:t>par. </a:t>
             </a:r>
             <a:endParaRPr lang="pt-BR" dirty="0"/>
           </a:p>
@@ -3585,25 +3378,6 @@
       </p:grpSpPr>
       <p:sp>
         <p:nvSpPr>
-          <p:cNvPr id="2" name="Título 1"/>
-          <p:cNvSpPr>
-            <a:spLocks noGrp="1"/>
-          </p:cNvSpPr>
-          <p:nvPr>
-            <p:ph type="title"/>
-          </p:nvPr>
-        </p:nvSpPr>
-        <p:spPr/>
-        <p:txBody>
-          <a:bodyPr/>
-          <a:lstStyle/>
-          <a:p>
-            <a:endParaRPr lang="pt-BR"/>
-          </a:p>
-        </p:txBody>
-      </p:sp>
-      <p:sp>
-        <p:nvSpPr>
           <p:cNvPr id="3" name="Espaço Reservado para Conteúdo 2"/>
           <p:cNvSpPr>
             <a:spLocks noGrp="1"/>
@@ -3612,53 +3386,55 @@
             <p:ph idx="1"/>
           </p:nvPr>
         </p:nvSpPr>
-        <p:spPr/>
-        <p:txBody>
-          <a:bodyPr/>
-          <a:lstStyle/>
-          <a:p>
-            <a:pPr marL="514350" indent="-514350">
-              <a:buAutoNum type="alphaUcParenR"/>
-            </a:pPr>
-            <a:r>
-              <a:rPr lang="pt-BR" dirty="0" smtClean="0"/>
-              <a:t>169</a:t>
-            </a:r>
-          </a:p>
-          <a:p>
-            <a:pPr marL="514350" indent="-514350">
-              <a:buAutoNum type="alphaUcParenR"/>
-            </a:pPr>
-            <a:r>
-              <a:rPr lang="pt-BR" dirty="0" smtClean="0"/>
-              <a:t>256</a:t>
-            </a:r>
-          </a:p>
-          <a:p>
-            <a:pPr marL="514350" indent="-514350">
-              <a:buAutoNum type="alphaUcParenR"/>
-            </a:pPr>
-            <a:r>
-              <a:rPr lang="pt-BR" dirty="0" smtClean="0"/>
-              <a:t>223</a:t>
-            </a:r>
-          </a:p>
-          <a:p>
-            <a:pPr marL="514350" indent="-514350">
-              <a:buAutoNum type="alphaUcParenR"/>
-            </a:pPr>
-            <a:r>
-              <a:rPr lang="pt-BR" dirty="0" smtClean="0"/>
-              <a:t>-54</a:t>
-            </a:r>
-          </a:p>
-          <a:p>
-            <a:pPr marL="514350" indent="-514350">
-              <a:buAutoNum type="alphaUcParenR"/>
-            </a:pPr>
-            <a:r>
-              <a:rPr lang="pt-BR" dirty="0" smtClean="0"/>
-              <a:t>54</a:t>
+        <p:spPr>
+          <a:xfrm>
+            <a:off x="457200" y="428604"/>
+            <a:ext cx="8229600" cy="5697559"/>
+          </a:xfrm>
+        </p:spPr>
+        <p:txBody>
+          <a:bodyPr/>
+          <a:lstStyle/>
+          <a:p>
+            <a:r>
+              <a:rPr lang="pt-BR" dirty="0" smtClean="0"/>
+              <a:t>Crie um algoritmo que peça ao usuário para informar os dados abaixo e, depois disso, os imprima na tela:</a:t>
+            </a:r>
+          </a:p>
+          <a:p>
+            <a:pPr>
+              <a:buNone/>
+            </a:pPr>
+            <a:r>
+              <a:rPr lang="pt-BR" dirty="0" smtClean="0"/>
+              <a:t>• Nome;</a:t>
+            </a:r>
+          </a:p>
+          <a:p>
+            <a:pPr>
+              <a:buNone/>
+            </a:pPr>
+            <a:r>
+              <a:rPr lang="pt-BR" dirty="0" smtClean="0"/>
+              <a:t>• Endereço, com cidade, estado e CEP;</a:t>
+            </a:r>
+          </a:p>
+          <a:p>
+            <a:pPr>
+              <a:buNone/>
+            </a:pPr>
+            <a:r>
+              <a:rPr lang="pt-BR" dirty="0" smtClean="0"/>
+              <a:t>• Número de telefone;</a:t>
+            </a:r>
+          </a:p>
+          <a:p>
+            <a:pPr>
+              <a:buNone/>
+            </a:pPr>
+            <a:r>
+              <a:rPr lang="pt-BR" dirty="0" smtClean="0"/>
+              <a:t>• Área de atuação profissional.</a:t>
             </a:r>
             <a:endParaRPr lang="pt-BR" dirty="0"/>
           </a:p>
@@ -3701,8 +3477,8 @@
         </p:nvSpPr>
         <p:spPr>
           <a:xfrm>
-            <a:off x="457200" y="357166"/>
-            <a:ext cx="8229600" cy="5768997"/>
+            <a:off x="428596" y="285728"/>
+            <a:ext cx="8229600" cy="4525963"/>
           </a:xfrm>
         </p:spPr>
         <p:txBody>
@@ -3712,27 +3488,21 @@
           <a:lstStyle/>
           <a:p>
             <a:r>
-              <a:rPr lang="pt-BR" dirty="0"/>
-              <a:t>Um homem precisa atravessar um rio com um barco que possui capacidade de transportar apenas ele mesmo e mais uma de suas três cargas, que são: um lobo, um bode e uma caixa de alfafa. Indique as ações necessárias para que o homem consiga atravessar o rio sem perder suas cargas.</a:t>
-            </a:r>
-          </a:p>
-          <a:p>
-            <a:pPr lvl="0"/>
-            <a:r>
-              <a:rPr lang="pt-BR" b="1" dirty="0"/>
-              <a:t>O lobo não pode ficar sozinho com o bode, senão ele o come;</a:t>
-            </a:r>
-            <a:endParaRPr lang="pt-BR" dirty="0"/>
-          </a:p>
-          <a:p>
-            <a:pPr lvl="0"/>
-            <a:r>
-              <a:rPr lang="pt-BR" b="1" dirty="0"/>
-              <a:t>O bode não pode ficar sozinho com a caixa de alfafa, senão a come;</a:t>
-            </a:r>
-            <a:endParaRPr lang="pt-BR" dirty="0"/>
-          </a:p>
-          <a:p>
+              <a:rPr lang="pt-BR" dirty="0" smtClean="0"/>
+              <a:t>Sabendo que o lucro anual de uma empresa é, tipicamente, 23% do total de vendas, crie um algoritmo que solicite ao usuário entre com o</a:t>
+            </a:r>
+          </a:p>
+          <a:p>
+            <a:r>
+              <a:rPr lang="pt-BR" dirty="0" smtClean="0"/>
+              <a:t>valor projetado do total de vendas e, em seguida, calcule e exiba o lucro que deve ser obtido com esse valor.</a:t>
+            </a:r>
+          </a:p>
+          <a:p>
+            <a:r>
+              <a:rPr lang="pt-BR" dirty="0" smtClean="0"/>
+              <a:t>Lembrete: 23% = 23\100 = 0,23</a:t>
+            </a:r>
             <a:endParaRPr lang="pt-BR" dirty="0"/>
           </a:p>
         </p:txBody>
@@ -3772,29 +3542,22 @@
             <p:ph idx="1"/>
           </p:nvPr>
         </p:nvSpPr>
-        <p:spPr/>
-        <p:txBody>
-          <a:bodyPr/>
-          <a:lstStyle/>
-          <a:p>
-            <a:r>
-              <a:rPr lang="pt-BR" dirty="0"/>
-              <a:t>Informações: um barco, um homem, um lobo, um bode e uma caixa de alfafa.</a:t>
-            </a:r>
-          </a:p>
-          <a:p>
-            <a:r>
-              <a:rPr lang="pt-BR" dirty="0"/>
-              <a:t>Ação: atravessar o rio sem perder as cargas.</a:t>
-            </a:r>
-          </a:p>
-          <a:p>
-            <a:r>
-              <a:rPr lang="pt-BR" dirty="0"/>
-              <a:t>Resultado: todas as cargas na outra margem do rio. </a:t>
-            </a:r>
-          </a:p>
-          <a:p>
+        <p:spPr>
+          <a:xfrm>
+            <a:off x="357158" y="285728"/>
+            <a:ext cx="8229600" cy="4525963"/>
+          </a:xfrm>
+        </p:spPr>
+        <p:txBody>
+          <a:bodyPr>
+            <a:normAutofit/>
+          </a:bodyPr>
+          <a:lstStyle/>
+          <a:p>
+            <a:r>
+              <a:rPr lang="pt-BR" dirty="0" smtClean="0"/>
+              <a:t>Um acre de terra é equivalente a 4.046,86 m2, a 43.560 ft2 (pés quadrados) e a 0,404686 hectares. Crie um algoritmo que solicite ao usuário que informe a área de um terreno em metros quadrados e mostre as áreas correspondentes em acres, pés quadrados e hectares. </a:t>
+            </a:r>
             <a:endParaRPr lang="pt-BR" dirty="0"/>
           </a:p>
         </p:txBody>
@@ -3834,82 +3597,141 @@
             <p:ph idx="1"/>
           </p:nvPr>
         </p:nvSpPr>
-        <p:spPr/>
+        <p:spPr>
+          <a:xfrm>
+            <a:off x="428596" y="285728"/>
+            <a:ext cx="8229600" cy="6072230"/>
+          </a:xfrm>
+        </p:spPr>
         <p:txBody>
           <a:bodyPr>
-            <a:normAutofit lnSpcReduction="10000"/>
+            <a:normAutofit fontScale="92500" lnSpcReduction="20000"/>
           </a:bodyPr>
           <a:lstStyle/>
           <a:p>
-            <a:r>
-              <a:rPr lang="pt-BR" dirty="0"/>
-              <a:t>Algoritmo: </a:t>
-            </a:r>
-            <a:br>
-              <a:rPr lang="pt-BR" dirty="0"/>
-            </a:br>
-            <a:r>
-              <a:rPr lang="pt-BR" dirty="0"/>
-              <a:t>          início </a:t>
-            </a:r>
-            <a:br>
-              <a:rPr lang="pt-BR" dirty="0"/>
-            </a:br>
-            <a:r>
-              <a:rPr lang="pt-BR" dirty="0"/>
-              <a:t>                 atravessar homem e bode </a:t>
-            </a:r>
-            <a:br>
-              <a:rPr lang="pt-BR" dirty="0"/>
-            </a:br>
-            <a:r>
-              <a:rPr lang="pt-BR" dirty="0"/>
-              <a:t>                 voltar homem </a:t>
-            </a:r>
-            <a:br>
-              <a:rPr lang="pt-BR" dirty="0"/>
-            </a:br>
-            <a:r>
-              <a:rPr lang="pt-BR" dirty="0"/>
-              <a:t>                 atravessar homem e lobo </a:t>
-            </a:r>
-            <a:br>
-              <a:rPr lang="pt-BR" dirty="0"/>
-            </a:br>
-            <a:r>
-              <a:rPr lang="pt-BR" dirty="0"/>
-              <a:t>                 voltar homem e bode </a:t>
-            </a:r>
-            <a:br>
-              <a:rPr lang="pt-BR" dirty="0"/>
-            </a:br>
-            <a:r>
-              <a:rPr lang="pt-BR" dirty="0"/>
-              <a:t>                 atravessar homem e alfafa </a:t>
-            </a:r>
-            <a:br>
-              <a:rPr lang="pt-BR" dirty="0"/>
-            </a:br>
-            <a:r>
-              <a:rPr lang="pt-BR" dirty="0"/>
-              <a:t>                 voltar homem </a:t>
-            </a:r>
-            <a:br>
-              <a:rPr lang="pt-BR" dirty="0"/>
-            </a:br>
-            <a:r>
-              <a:rPr lang="pt-BR" dirty="0"/>
-              <a:t>                 atravessar homem e bode </a:t>
-            </a:r>
-            <a:br>
-              <a:rPr lang="pt-BR" dirty="0"/>
-            </a:br>
-            <a:r>
-              <a:rPr lang="pt-BR" dirty="0"/>
-              <a:t>          fim </a:t>
-            </a:r>
-          </a:p>
-          <a:p>
+            <a:pPr>
+              <a:buNone/>
+            </a:pPr>
+            <a:r>
+              <a:rPr lang="pt-BR" dirty="0" smtClean="0"/>
+              <a:t>Qual das afirmativas estão corretas em relação ao algoritmo abaixo:</a:t>
+            </a:r>
+          </a:p>
+          <a:p>
+            <a:pPr>
+              <a:buNone/>
+            </a:pPr>
+            <a:r>
+              <a:rPr lang="pt-BR" dirty="0" smtClean="0"/>
+              <a:t>Var </a:t>
+            </a:r>
+          </a:p>
+          <a:p>
+            <a:pPr>
+              <a:buNone/>
+            </a:pPr>
+            <a:r>
+              <a:rPr lang="pt-BR" dirty="0" smtClean="0"/>
+              <a:t>Numero: real</a:t>
+            </a:r>
+          </a:p>
+          <a:p>
+            <a:pPr>
+              <a:buNone/>
+            </a:pPr>
+            <a:r>
+              <a:rPr lang="pt-BR" dirty="0" smtClean="0"/>
+              <a:t>i : inteiro</a:t>
+            </a:r>
+          </a:p>
+          <a:p>
+            <a:pPr>
+              <a:buNone/>
+            </a:pPr>
+            <a:r>
+              <a:rPr lang="pt-BR" dirty="0" smtClean="0"/>
+              <a:t>Soma : real</a:t>
+            </a:r>
+          </a:p>
+          <a:p>
+            <a:pPr>
+              <a:buNone/>
+            </a:pPr>
+            <a:r>
+              <a:rPr lang="pt-BR" dirty="0" smtClean="0"/>
+              <a:t>inicio</a:t>
+            </a:r>
+          </a:p>
+          <a:p>
+            <a:pPr>
+              <a:buNone/>
+            </a:pPr>
+            <a:r>
+              <a:rPr lang="pt-BR" dirty="0" smtClean="0"/>
+              <a:t>Para i &lt;- ate 5 faca </a:t>
+            </a:r>
+          </a:p>
+          <a:p>
+            <a:pPr>
+              <a:buNone/>
+            </a:pPr>
+            <a:r>
+              <a:rPr lang="pt-BR" dirty="0" err="1" smtClean="0"/>
+              <a:t>escreval</a:t>
+            </a:r>
+            <a:r>
+              <a:rPr lang="pt-BR" dirty="0" smtClean="0"/>
+              <a:t> (“</a:t>
+            </a:r>
+            <a:r>
+              <a:rPr lang="pt-BR" dirty="0" err="1" smtClean="0"/>
+              <a:t>Infome</a:t>
+            </a:r>
+            <a:r>
+              <a:rPr lang="pt-BR" dirty="0" smtClean="0"/>
+              <a:t> um número entre 0 e 10”)</a:t>
+            </a:r>
+          </a:p>
+          <a:p>
+            <a:pPr>
+              <a:buNone/>
+            </a:pPr>
+            <a:r>
+              <a:rPr lang="pt-BR" dirty="0" smtClean="0"/>
+              <a:t>leia (numero)</a:t>
+            </a:r>
+          </a:p>
+          <a:p>
+            <a:pPr>
+              <a:buNone/>
+            </a:pPr>
+            <a:r>
+              <a:rPr lang="pt-BR" dirty="0" smtClean="0"/>
+              <a:t>Soma:= soma + numero</a:t>
+            </a:r>
+          </a:p>
+          <a:p>
+            <a:pPr>
+              <a:buNone/>
+            </a:pPr>
+            <a:r>
+              <a:rPr lang="pt-BR" dirty="0" err="1" smtClean="0"/>
+              <a:t>fimpara</a:t>
+            </a:r>
+            <a:endParaRPr lang="pt-BR" dirty="0" smtClean="0"/>
+          </a:p>
+          <a:p>
+            <a:pPr>
+              <a:buNone/>
+            </a:pPr>
+            <a:r>
+              <a:rPr lang="pt-BR" dirty="0" err="1" smtClean="0"/>
+              <a:t>escreval</a:t>
+            </a:r>
+            <a:r>
+              <a:rPr lang="pt-BR" dirty="0" smtClean="0"/>
+              <a:t>(soma/5) </a:t>
+            </a:r>
             <a:endParaRPr lang="pt-BR" dirty="0"/>
           </a:p>
         </p:txBody>
@@ -3949,16 +3771,70 @@
             <p:ph idx="1"/>
           </p:nvPr>
         </p:nvSpPr>
-        <p:spPr/>
-        <p:txBody>
-          <a:bodyPr/>
-          <a:lstStyle/>
-          <a:p>
-            <a:r>
-              <a:rPr lang="pt-BR" dirty="0" smtClean="0"/>
-              <a:t>Ler dois números inteiros, x e y, e imprimir a soma, multiplicação, divisão e subtração deles na tela. </a:t>
-            </a:r>
-            <a:endParaRPr lang="pt-BR" dirty="0"/>
+        <p:spPr>
+          <a:xfrm>
+            <a:off x="500034" y="285728"/>
+            <a:ext cx="8229600" cy="4525963"/>
+          </a:xfrm>
+        </p:spPr>
+        <p:txBody>
+          <a:bodyPr>
+            <a:normAutofit fontScale="92500"/>
+          </a:bodyPr>
+          <a:lstStyle/>
+          <a:p>
+            <a:pPr>
+              <a:buNone/>
+            </a:pPr>
+            <a:r>
+              <a:rPr lang="pt-BR" dirty="0" smtClean="0"/>
+              <a:t>Qual das afirmativas estão corretas em relação ao algoritmo abaixo:</a:t>
+            </a:r>
+          </a:p>
+          <a:p>
+            <a:pPr marL="514350" indent="-514350">
+              <a:buAutoNum type="alphaUcParenR"/>
+            </a:pPr>
+            <a:r>
+              <a:rPr lang="pt-BR" dirty="0" smtClean="0"/>
+              <a:t>O programa roda normalmente</a:t>
+            </a:r>
+          </a:p>
+          <a:p>
+            <a:pPr marL="514350" indent="-514350">
+              <a:buAutoNum type="alphaUcParenR"/>
+            </a:pPr>
+            <a:r>
+              <a:rPr lang="pt-BR" dirty="0" smtClean="0"/>
+              <a:t>O programa executado retorna um erro lógico</a:t>
+            </a:r>
+          </a:p>
+          <a:p>
+            <a:pPr marL="514350" indent="-514350">
+              <a:buAutoNum type="alphaUcParenR"/>
+            </a:pPr>
+            <a:r>
+              <a:rPr lang="pt-BR" dirty="0" smtClean="0"/>
+              <a:t>Há um erro de declaração nas variáveis</a:t>
+            </a:r>
+          </a:p>
+          <a:p>
+            <a:pPr marL="514350" indent="-514350">
+              <a:buAutoNum type="alphaUcParenR"/>
+            </a:pPr>
+            <a:r>
+              <a:rPr lang="pt-BR" dirty="0" smtClean="0"/>
+              <a:t>O programa trava na última linha e não faz o loop corretamente</a:t>
+            </a:r>
+          </a:p>
+          <a:p>
+            <a:pPr marL="514350" indent="-514350">
+              <a:buAutoNum type="alphaUcParenR"/>
+            </a:pPr>
+            <a:r>
+              <a:rPr lang="pt-BR" dirty="0" smtClean="0"/>
+              <a:t>Na declaração soma há um erro de atribuição</a:t>
+            </a:r>
           </a:p>
         </p:txBody>
       </p:sp>
@@ -3999,26 +3875,22 @@
         </p:nvSpPr>
         <p:spPr>
           <a:xfrm>
-            <a:off x="457200" y="428604"/>
-            <a:ext cx="8229600" cy="5697559"/>
+            <a:off x="428596" y="357166"/>
+            <a:ext cx="8229600" cy="4525963"/>
           </a:xfrm>
         </p:spPr>
         <p:txBody>
-          <a:bodyPr/>
-          <a:lstStyle/>
-          <a:p>
-            <a:r>
-              <a:rPr lang="pt-BR" dirty="0" smtClean="0"/>
-              <a:t>Crie um algoritmo que peça ao usuário para informar os dados abaixo e, depois disso, os imprima na tela:</a:t>
-            </a:r>
-          </a:p>
+          <a:bodyPr>
+            <a:normAutofit lnSpcReduction="10000"/>
+          </a:bodyPr>
+          <a:lstStyle/>
           <a:p>
             <a:pPr>
               <a:buNone/>
             </a:pPr>
             <a:r>
               <a:rPr lang="pt-BR" dirty="0" smtClean="0"/>
-              <a:t>• Nome;</a:t>
+              <a:t>Qual o resultado esperado abaixo no algoritmo?</a:t>
             </a:r>
           </a:p>
           <a:p>
@@ -4027,7 +3899,7 @@
             </a:pPr>
             <a:r>
               <a:rPr lang="pt-BR" dirty="0" smtClean="0"/>
-              <a:t>• Endereço, com cidade, estado e CEP;</a:t>
+              <a:t>i: inteiro</a:t>
             </a:r>
           </a:p>
           <a:p>
@@ -4036,7 +3908,7 @@
             </a:pPr>
             <a:r>
               <a:rPr lang="pt-BR" dirty="0" smtClean="0"/>
-              <a:t>• Número de telefone;</a:t>
+              <a:t>Total: inteiro</a:t>
             </a:r>
           </a:p>
           <a:p>
@@ -4045,7 +3917,48 @@
             </a:pPr>
             <a:r>
               <a:rPr lang="pt-BR" dirty="0" smtClean="0"/>
-              <a:t>• Área de atuação profissional.</a:t>
+              <a:t>Inicio</a:t>
+            </a:r>
+          </a:p>
+          <a:p>
+            <a:pPr>
+              <a:buNone/>
+            </a:pPr>
+            <a:r>
+              <a:rPr lang="pt-BR" dirty="0" smtClean="0"/>
+              <a:t>para i:= 20 ate 1 passo -4 faca</a:t>
+            </a:r>
+          </a:p>
+          <a:p>
+            <a:pPr>
+              <a:buNone/>
+            </a:pPr>
+            <a:r>
+              <a:rPr lang="pt-BR" dirty="0" smtClean="0"/>
+              <a:t>Total := total +i </a:t>
+            </a:r>
+          </a:p>
+          <a:p>
+            <a:pPr>
+              <a:buNone/>
+            </a:pPr>
+            <a:r>
+              <a:rPr lang="pt-BR" dirty="0" err="1" smtClean="0"/>
+              <a:t>Fimpara</a:t>
+            </a:r>
+            <a:endParaRPr lang="pt-BR" dirty="0" smtClean="0"/>
+          </a:p>
+          <a:p>
+            <a:pPr>
+              <a:buNone/>
+            </a:pPr>
+            <a:r>
+              <a:rPr lang="pt-BR" dirty="0" err="1" smtClean="0"/>
+              <a:t>Escreval</a:t>
+            </a:r>
+            <a:r>
+              <a:rPr lang="pt-BR" dirty="0" smtClean="0"/>
+              <a:t>(“a média é: “, total/5)</a:t>
             </a:r>
             <a:endParaRPr lang="pt-BR" dirty="0"/>
           </a:p>
@@ -4078,140 +3991,62 @@
       </p:grpSpPr>
       <p:sp>
         <p:nvSpPr>
-          <p:cNvPr id="2" name="Título 1"/>
-          <p:cNvSpPr>
-            <a:spLocks noGrp="1"/>
-          </p:cNvSpPr>
-          <p:nvPr>
-            <p:ph type="title"/>
+          <p:cNvPr id="3" name="Espaço Reservado para Conteúdo 2"/>
+          <p:cNvSpPr>
+            <a:spLocks noGrp="1"/>
+          </p:cNvSpPr>
+          <p:nvPr>
+            <p:ph idx="1"/>
           </p:nvPr>
         </p:nvSpPr>
         <p:spPr/>
         <p:txBody>
-          <a:bodyPr>
-            <a:normAutofit fontScale="90000"/>
-          </a:bodyPr>
-          <a:lstStyle/>
-          <a:p>
-            <a:r>
-              <a:rPr lang="pt-BR" dirty="0" smtClean="0"/>
-              <a:t>Solução- Parte_1</a:t>
-            </a:r>
-            <a:br>
-              <a:rPr lang="pt-BR" dirty="0" smtClean="0"/>
-            </a:br>
-            <a:endParaRPr lang="pt-BR" dirty="0"/>
-          </a:p>
-        </p:txBody>
-      </p:sp>
-      <p:sp>
-        <p:nvSpPr>
-          <p:cNvPr id="3" name="Espaço Reservado para Conteúdo 2"/>
-          <p:cNvSpPr>
-            <a:spLocks noGrp="1"/>
-          </p:cNvSpPr>
-          <p:nvPr>
-            <p:ph idx="1"/>
-          </p:nvPr>
-        </p:nvSpPr>
-        <p:spPr/>
-        <p:txBody>
-          <a:bodyPr>
-            <a:normAutofit fontScale="92500" lnSpcReduction="20000"/>
-          </a:bodyPr>
-          <a:lstStyle/>
-          <a:p>
-            <a:r>
-              <a:rPr lang="pt-BR" dirty="0" smtClean="0"/>
-              <a:t>Algoritmo </a:t>
-            </a:r>
-            <a:r>
-              <a:rPr lang="pt-BR" dirty="0" err="1" smtClean="0"/>
-              <a:t>escreveInfoPessoais</a:t>
-            </a:r>
-            <a:r>
-              <a:rPr lang="pt-BR" dirty="0" smtClean="0"/>
-              <a:t>;</a:t>
-            </a:r>
-          </a:p>
-          <a:p>
-            <a:r>
-              <a:rPr lang="pt-BR" dirty="0" smtClean="0"/>
-              <a:t>Variáveis </a:t>
-            </a:r>
-          </a:p>
-          <a:p>
-            <a:r>
-              <a:rPr lang="pt-BR" dirty="0" err="1" smtClean="0"/>
-              <a:t>nmPessoa</a:t>
-            </a:r>
-            <a:r>
-              <a:rPr lang="pt-BR" dirty="0" smtClean="0"/>
-              <a:t>,</a:t>
-            </a:r>
-          </a:p>
-          <a:p>
-            <a:r>
-              <a:rPr lang="pt-BR" dirty="0" err="1" smtClean="0"/>
-              <a:t>dsEndereco</a:t>
-            </a:r>
-            <a:r>
-              <a:rPr lang="pt-BR" dirty="0" smtClean="0"/>
-              <a:t>,</a:t>
-            </a:r>
-          </a:p>
-          <a:p>
-            <a:r>
-              <a:rPr lang="pt-BR" dirty="0" err="1" smtClean="0"/>
-              <a:t>nmCidade</a:t>
-            </a:r>
-            <a:r>
-              <a:rPr lang="pt-BR" dirty="0" smtClean="0"/>
-              <a:t>,</a:t>
-            </a:r>
-          </a:p>
-          <a:p>
-            <a:r>
-              <a:rPr lang="pt-BR" dirty="0" err="1" smtClean="0"/>
-              <a:t>nmEstado</a:t>
-            </a:r>
-            <a:r>
-              <a:rPr lang="pt-BR" dirty="0" smtClean="0"/>
-              <a:t>,</a:t>
-            </a:r>
-          </a:p>
-          <a:p>
-            <a:r>
-              <a:rPr lang="pt-BR" dirty="0" err="1" smtClean="0"/>
-              <a:t>dsCEP</a:t>
-            </a:r>
-            <a:r>
-              <a:rPr lang="pt-BR" dirty="0" smtClean="0"/>
-              <a:t>,</a:t>
-            </a:r>
-          </a:p>
-          <a:p>
-            <a:r>
-              <a:rPr lang="pt-BR" dirty="0" err="1" smtClean="0"/>
-              <a:t>dsTelefone</a:t>
-            </a:r>
-            <a:r>
-              <a:rPr lang="pt-BR" dirty="0" smtClean="0"/>
-              <a:t>,</a:t>
-            </a:r>
-          </a:p>
-          <a:p>
-            <a:r>
-              <a:rPr lang="pt-BR" dirty="0" err="1" smtClean="0"/>
-              <a:t>dsAreaAtuacao</a:t>
-            </a:r>
-            <a:r>
-              <a:rPr lang="pt-BR" dirty="0" smtClean="0"/>
-              <a:t> : texto;</a:t>
-            </a:r>
-          </a:p>
-          <a:p>
-            <a:endParaRPr lang="pt-BR" dirty="0" smtClean="0"/>
+          <a:bodyPr/>
+          <a:lstStyle/>
+          <a:p>
+            <a:pPr marL="514350" indent="-514350">
+              <a:buAutoNum type="alphaUcParenR"/>
+            </a:pPr>
+            <a:r>
+              <a:rPr lang="pt-BR" dirty="0" smtClean="0"/>
+              <a:t>10</a:t>
+            </a:r>
+          </a:p>
+          <a:p>
+            <a:pPr marL="514350" indent="-514350">
+              <a:buAutoNum type="alphaUcParenR"/>
+            </a:pPr>
+            <a:r>
+              <a:rPr lang="pt-BR" dirty="0" smtClean="0"/>
+              <a:t>4</a:t>
+            </a:r>
+          </a:p>
+          <a:p>
+            <a:pPr marL="514350" indent="-514350">
+              <a:buAutoNum type="alphaUcParenR"/>
+            </a:pPr>
+            <a:r>
+              <a:rPr lang="pt-BR" dirty="0" smtClean="0"/>
+              <a:t>12</a:t>
+            </a:r>
+          </a:p>
+          <a:p>
+            <a:pPr marL="514350" indent="-514350">
+              <a:buAutoNum type="alphaUcParenR"/>
+            </a:pPr>
+            <a:r>
+              <a:rPr lang="pt-BR" dirty="0" smtClean="0"/>
+              <a:t>2</a:t>
+            </a:r>
+          </a:p>
+          <a:p>
+            <a:pPr marL="514350" indent="-514350">
+              <a:buAutoNum type="alphaUcParenR"/>
+            </a:pPr>
+            <a:r>
+              <a:rPr lang="pt-BR" smtClean="0"/>
+              <a:t>6</a:t>
+            </a:r>
           </a:p>
         </p:txBody>
       </p:sp>
@@ -4257,475 +4092,7 @@
           <a:p>
             <a:r>
               <a:rPr lang="pt-BR" dirty="0" smtClean="0"/>
-              <a:t>Crie um algoritmo que peça para entrar com seu nome e sua idade e depois imprima na tela a resposta</a:t>
-            </a:r>
-            <a:endParaRPr lang="pt-BR" dirty="0"/>
-          </a:p>
-        </p:txBody>
-      </p:sp>
-    </p:spTree>
-  </p:cSld>
-  <p:clrMapOvr>
-    <a:masterClrMapping/>
-  </p:clrMapOvr>
-</p:sld>
-</file>
-
-<file path=ppt/slides/slide20.xml><?xml version="1.0" encoding="utf-8"?>
-<p:sld xmlns:a="http://schemas.openxmlformats.org/drawingml/2006/main" xmlns:r="http://schemas.openxmlformats.org/officeDocument/2006/relationships" xmlns:p="http://schemas.openxmlformats.org/presentationml/2006/main">
-  <p:cSld>
-    <p:spTree>
-      <p:nvGrpSpPr>
-        <p:cNvPr id="1" name=""/>
-        <p:cNvGrpSpPr/>
-        <p:nvPr/>
-      </p:nvGrpSpPr>
-      <p:grpSpPr>
-        <a:xfrm>
-          <a:off x="0" y="0"/>
-          <a:ext cx="0" cy="0"/>
-          <a:chOff x="0" y="0"/>
-          <a:chExt cx="0" cy="0"/>
-        </a:xfrm>
-      </p:grpSpPr>
-      <p:sp>
-        <p:nvSpPr>
-          <p:cNvPr id="2" name="Título 1"/>
-          <p:cNvSpPr>
-            <a:spLocks noGrp="1"/>
-          </p:cNvSpPr>
-          <p:nvPr>
-            <p:ph type="title"/>
-          </p:nvPr>
-        </p:nvSpPr>
-        <p:spPr/>
-        <p:txBody>
-          <a:bodyPr/>
-          <a:lstStyle/>
-          <a:p>
-            <a:endParaRPr lang="pt-BR"/>
-          </a:p>
-        </p:txBody>
-      </p:sp>
-      <p:sp>
-        <p:nvSpPr>
-          <p:cNvPr id="3" name="Espaço Reservado para Conteúdo 2"/>
-          <p:cNvSpPr>
-            <a:spLocks noGrp="1"/>
-          </p:cNvSpPr>
-          <p:nvPr>
-            <p:ph idx="1"/>
-          </p:nvPr>
-        </p:nvSpPr>
-        <p:spPr/>
-        <p:txBody>
-          <a:bodyPr>
-            <a:normAutofit fontScale="55000" lnSpcReduction="20000"/>
-          </a:bodyPr>
-          <a:lstStyle/>
-          <a:p>
-            <a:r>
-              <a:rPr lang="pt-BR" dirty="0" smtClean="0"/>
-              <a:t>Início do algoritmo</a:t>
-            </a:r>
-          </a:p>
-          <a:p>
-            <a:r>
-              <a:rPr lang="pt-BR" dirty="0" smtClean="0"/>
-              <a:t>1. Escreva (“Entre com o seu nome”);</a:t>
-            </a:r>
-          </a:p>
-          <a:p>
-            <a:r>
-              <a:rPr lang="pt-BR" dirty="0" smtClean="0"/>
-              <a:t>2. Leia (</a:t>
-            </a:r>
-            <a:r>
-              <a:rPr lang="pt-BR" dirty="0" err="1" smtClean="0"/>
-              <a:t>nmPessoa</a:t>
-            </a:r>
-            <a:r>
-              <a:rPr lang="pt-BR" dirty="0" smtClean="0"/>
-              <a:t>);</a:t>
-            </a:r>
-          </a:p>
-          <a:p>
-            <a:r>
-              <a:rPr lang="pt-BR" dirty="0" smtClean="0"/>
-              <a:t>3. Escreva (“Entre com o seu endereço”);</a:t>
-            </a:r>
-          </a:p>
-          <a:p>
-            <a:r>
-              <a:rPr lang="pt-BR" dirty="0" smtClean="0"/>
-              <a:t>4. Leia (</a:t>
-            </a:r>
-            <a:r>
-              <a:rPr lang="pt-BR" dirty="0" err="1" smtClean="0"/>
-              <a:t>dsEndereco</a:t>
-            </a:r>
-            <a:r>
-              <a:rPr lang="pt-BR" dirty="0" smtClean="0"/>
-              <a:t>);</a:t>
-            </a:r>
-          </a:p>
-          <a:p>
-            <a:r>
-              <a:rPr lang="pt-BR" dirty="0" smtClean="0"/>
-              <a:t>5. Escreva (“Entre com a cidade do seu endereço”);</a:t>
-            </a:r>
-          </a:p>
-          <a:p>
-            <a:r>
-              <a:rPr lang="pt-BR" dirty="0" smtClean="0"/>
-              <a:t>6. Leia (</a:t>
-            </a:r>
-            <a:r>
-              <a:rPr lang="pt-BR" dirty="0" err="1" smtClean="0"/>
-              <a:t>nmCidade</a:t>
-            </a:r>
-            <a:r>
-              <a:rPr lang="pt-BR" dirty="0" smtClean="0"/>
-              <a:t>);</a:t>
-            </a:r>
-          </a:p>
-          <a:p>
-            <a:r>
-              <a:rPr lang="pt-BR" dirty="0" smtClean="0"/>
-              <a:t>7. Escreva (“Entre com o estado do seu endereço”);</a:t>
-            </a:r>
-          </a:p>
-          <a:p>
-            <a:r>
-              <a:rPr lang="pt-BR" dirty="0" smtClean="0"/>
-              <a:t>8. Leia (</a:t>
-            </a:r>
-            <a:r>
-              <a:rPr lang="pt-BR" dirty="0" err="1" smtClean="0"/>
-              <a:t>nmEstado</a:t>
-            </a:r>
-            <a:r>
-              <a:rPr lang="pt-BR" dirty="0" smtClean="0"/>
-              <a:t>);</a:t>
-            </a:r>
-          </a:p>
-          <a:p>
-            <a:r>
-              <a:rPr lang="pt-BR" dirty="0" smtClean="0"/>
-              <a:t>9. Escreva (“Entre com o CEP do seu endereço”);</a:t>
-            </a:r>
-          </a:p>
-          <a:p>
-            <a:r>
-              <a:rPr lang="pt-BR" dirty="0" smtClean="0"/>
-              <a:t>10. Leia (</a:t>
-            </a:r>
-            <a:r>
-              <a:rPr lang="pt-BR" dirty="0" err="1" smtClean="0"/>
-              <a:t>dsCEP</a:t>
-            </a:r>
-            <a:r>
-              <a:rPr lang="pt-BR" dirty="0" smtClean="0"/>
-              <a:t>);</a:t>
-            </a:r>
-          </a:p>
-          <a:p>
-            <a:r>
-              <a:rPr lang="pt-BR" dirty="0" smtClean="0"/>
-              <a:t>11. Escreva (“Entre com o seu telefone”);</a:t>
-            </a:r>
-          </a:p>
-          <a:p>
-            <a:r>
-              <a:rPr lang="pt-BR" dirty="0" smtClean="0"/>
-              <a:t>12. Leia (</a:t>
-            </a:r>
-            <a:r>
-              <a:rPr lang="pt-BR" dirty="0" err="1" smtClean="0"/>
-              <a:t>dsTelefone</a:t>
-            </a:r>
-            <a:r>
-              <a:rPr lang="pt-BR" dirty="0" smtClean="0"/>
-              <a:t>);</a:t>
-            </a:r>
-          </a:p>
-          <a:p>
-            <a:r>
-              <a:rPr lang="pt-BR" dirty="0" smtClean="0"/>
-              <a:t>13. Escreva (“Entre com a sua área de atuação”);</a:t>
-            </a:r>
-          </a:p>
-          <a:p>
-            <a:r>
-              <a:rPr lang="pt-BR" dirty="0" smtClean="0"/>
-              <a:t>14. Leia (</a:t>
-            </a:r>
-            <a:r>
-              <a:rPr lang="pt-BR" dirty="0" err="1" smtClean="0"/>
-              <a:t>dsAreaAtuacao</a:t>
-            </a:r>
-            <a:r>
-              <a:rPr lang="pt-BR" dirty="0" smtClean="0"/>
-              <a:t>);</a:t>
-            </a:r>
-          </a:p>
-          <a:p>
-            <a:endParaRPr lang="pt-BR" dirty="0"/>
-          </a:p>
-        </p:txBody>
-      </p:sp>
-    </p:spTree>
-  </p:cSld>
-  <p:clrMapOvr>
-    <a:masterClrMapping/>
-  </p:clrMapOvr>
-</p:sld>
-</file>
-
-<file path=ppt/slides/slide21.xml><?xml version="1.0" encoding="utf-8"?>
-<p:sld xmlns:a="http://schemas.openxmlformats.org/drawingml/2006/main" xmlns:r="http://schemas.openxmlformats.org/officeDocument/2006/relationships" xmlns:p="http://schemas.openxmlformats.org/presentationml/2006/main">
-  <p:cSld>
-    <p:spTree>
-      <p:nvGrpSpPr>
-        <p:cNvPr id="1" name=""/>
-        <p:cNvGrpSpPr/>
-        <p:nvPr/>
-      </p:nvGrpSpPr>
-      <p:grpSpPr>
-        <a:xfrm>
-          <a:off x="0" y="0"/>
-          <a:ext cx="0" cy="0"/>
-          <a:chOff x="0" y="0"/>
-          <a:chExt cx="0" cy="0"/>
-        </a:xfrm>
-      </p:grpSpPr>
-      <p:sp>
-        <p:nvSpPr>
-          <p:cNvPr id="2" name="Título 1"/>
-          <p:cNvSpPr>
-            <a:spLocks noGrp="1"/>
-          </p:cNvSpPr>
-          <p:nvPr>
-            <p:ph type="title"/>
-          </p:nvPr>
-        </p:nvSpPr>
-        <p:spPr/>
-        <p:txBody>
-          <a:bodyPr/>
-          <a:lstStyle/>
-          <a:p>
-            <a:endParaRPr lang="pt-BR"/>
-          </a:p>
-        </p:txBody>
-      </p:sp>
-      <p:sp>
-        <p:nvSpPr>
-          <p:cNvPr id="3" name="Espaço Reservado para Conteúdo 2"/>
-          <p:cNvSpPr>
-            <a:spLocks noGrp="1"/>
-          </p:cNvSpPr>
-          <p:nvPr>
-            <p:ph idx="1"/>
-          </p:nvPr>
-        </p:nvSpPr>
-        <p:spPr/>
-        <p:txBody>
-          <a:bodyPr>
-            <a:normAutofit/>
-          </a:bodyPr>
-          <a:lstStyle/>
-          <a:p>
-            <a:r>
-              <a:rPr lang="pt-BR" dirty="0" smtClean="0"/>
-              <a:t>Sabendo que o lucro anual de uma empresa é, tipicamente, 23% do total de vendas, crie um algoritmo que solicite ao usuário entre com o</a:t>
-            </a:r>
-          </a:p>
-          <a:p>
-            <a:r>
-              <a:rPr lang="pt-BR" dirty="0" smtClean="0"/>
-              <a:t>valor projetado do total de vendas e, em seguida, calcule e exiba o lucro que deve ser obtido com esse valor.</a:t>
-            </a:r>
-          </a:p>
-          <a:p>
-            <a:r>
-              <a:rPr lang="pt-BR" dirty="0" smtClean="0"/>
-              <a:t>Lembrete: 23% = 23\100 = 0,23</a:t>
-            </a:r>
-            <a:endParaRPr lang="pt-BR" dirty="0"/>
-          </a:p>
-        </p:txBody>
-      </p:sp>
-    </p:spTree>
-  </p:cSld>
-  <p:clrMapOvr>
-    <a:masterClrMapping/>
-  </p:clrMapOvr>
-</p:sld>
-</file>
-
-<file path=ppt/slides/slide22.xml><?xml version="1.0" encoding="utf-8"?>
-<p:sld xmlns:a="http://schemas.openxmlformats.org/drawingml/2006/main" xmlns:r="http://schemas.openxmlformats.org/officeDocument/2006/relationships" xmlns:p="http://schemas.openxmlformats.org/presentationml/2006/main">
-  <p:cSld>
-    <p:spTree>
-      <p:nvGrpSpPr>
-        <p:cNvPr id="1" name=""/>
-        <p:cNvGrpSpPr/>
-        <p:nvPr/>
-      </p:nvGrpSpPr>
-      <p:grpSpPr>
-        <a:xfrm>
-          <a:off x="0" y="0"/>
-          <a:ext cx="0" cy="0"/>
-          <a:chOff x="0" y="0"/>
-          <a:chExt cx="0" cy="0"/>
-        </a:xfrm>
-      </p:grpSpPr>
-      <p:sp>
-        <p:nvSpPr>
-          <p:cNvPr id="2" name="Título 1"/>
-          <p:cNvSpPr>
-            <a:spLocks noGrp="1"/>
-          </p:cNvSpPr>
-          <p:nvPr>
-            <p:ph type="title"/>
-          </p:nvPr>
-        </p:nvSpPr>
-        <p:spPr/>
-        <p:txBody>
-          <a:bodyPr/>
-          <a:lstStyle/>
-          <a:p>
-            <a:endParaRPr lang="pt-BR"/>
-          </a:p>
-        </p:txBody>
-      </p:sp>
-      <p:sp>
-        <p:nvSpPr>
-          <p:cNvPr id="3" name="Espaço Reservado para Conteúdo 2"/>
-          <p:cNvSpPr>
-            <a:spLocks noGrp="1"/>
-          </p:cNvSpPr>
-          <p:nvPr>
-            <p:ph idx="1"/>
-          </p:nvPr>
-        </p:nvSpPr>
-        <p:spPr/>
-        <p:txBody>
-          <a:bodyPr>
-            <a:normAutofit fontScale="85000" lnSpcReduction="20000"/>
-          </a:bodyPr>
-          <a:lstStyle/>
-          <a:p>
-            <a:r>
-              <a:rPr lang="pt-BR" dirty="0" smtClean="0"/>
-              <a:t>Algoritmo </a:t>
-            </a:r>
-            <a:r>
-              <a:rPr lang="pt-BR" dirty="0" err="1" smtClean="0"/>
-              <a:t>previsaoVendas</a:t>
-            </a:r>
-            <a:r>
-              <a:rPr lang="pt-BR" dirty="0" smtClean="0"/>
-              <a:t>;</a:t>
-            </a:r>
-          </a:p>
-          <a:p>
-            <a:r>
-              <a:rPr lang="pt-BR" dirty="0" smtClean="0"/>
-              <a:t>Var</a:t>
-            </a:r>
-          </a:p>
-          <a:p>
-            <a:r>
-              <a:rPr lang="pt-BR" dirty="0" smtClean="0"/>
-              <a:t> </a:t>
-            </a:r>
-            <a:r>
-              <a:rPr lang="pt-BR" dirty="0" err="1" smtClean="0"/>
-              <a:t>vlVendas</a:t>
-            </a:r>
-            <a:r>
-              <a:rPr lang="pt-BR" dirty="0" smtClean="0"/>
-              <a:t>, </a:t>
-            </a:r>
-            <a:r>
-              <a:rPr lang="pt-BR" dirty="0" err="1" smtClean="0"/>
-              <a:t>vlLucro</a:t>
-            </a:r>
-            <a:r>
-              <a:rPr lang="pt-BR" dirty="0" smtClean="0"/>
-              <a:t> : real;</a:t>
-            </a:r>
-          </a:p>
-          <a:p>
-            <a:endParaRPr lang="pt-BR" dirty="0" smtClean="0"/>
-          </a:p>
-          <a:p>
-            <a:r>
-              <a:rPr lang="pt-BR" dirty="0" smtClean="0"/>
-              <a:t>Início do algoritmo</a:t>
-            </a:r>
-          </a:p>
-          <a:p>
-            <a:r>
-              <a:rPr lang="pt-BR" dirty="0" smtClean="0"/>
-              <a:t>1. Escreva (“Entre com o total projetado de vendas”);</a:t>
-            </a:r>
-          </a:p>
-          <a:p>
-            <a:r>
-              <a:rPr lang="pt-BR" dirty="0" smtClean="0"/>
-              <a:t>2. Leia (</a:t>
-            </a:r>
-            <a:r>
-              <a:rPr lang="pt-BR" dirty="0" err="1" smtClean="0"/>
-              <a:t>vlVendas</a:t>
-            </a:r>
-            <a:r>
-              <a:rPr lang="pt-BR" dirty="0" smtClean="0"/>
-              <a:t>);</a:t>
-            </a:r>
-          </a:p>
-          <a:p>
-            <a:r>
-              <a:rPr lang="pt-BR" dirty="0" smtClean="0"/>
-              <a:t>3. </a:t>
-            </a:r>
-            <a:r>
-              <a:rPr lang="pt-BR" dirty="0" err="1" smtClean="0"/>
-              <a:t>vlLucro</a:t>
-            </a:r>
-            <a:r>
-              <a:rPr lang="pt-BR" dirty="0" smtClean="0"/>
-              <a:t> ← 0.23 * </a:t>
-            </a:r>
-            <a:r>
-              <a:rPr lang="pt-BR" dirty="0" err="1" smtClean="0"/>
-              <a:t>vlVendas</a:t>
-            </a:r>
-            <a:r>
-              <a:rPr lang="pt-BR" dirty="0" smtClean="0"/>
-              <a:t>;</a:t>
-            </a:r>
-          </a:p>
-          <a:p>
-            <a:r>
-              <a:rPr lang="pt-BR" dirty="0" smtClean="0"/>
-              <a:t>4. Escreva (“O valor do lucro é de ”, </a:t>
-            </a:r>
-            <a:r>
-              <a:rPr lang="pt-BR" dirty="0" err="1" smtClean="0"/>
-              <a:t>vlLucro</a:t>
-            </a:r>
-            <a:r>
-              <a:rPr lang="pt-BR" dirty="0" smtClean="0"/>
-              <a:t>);</a:t>
-            </a:r>
-          </a:p>
-          <a:p>
-            <a:r>
-              <a:rPr lang="pt-BR" dirty="0" smtClean="0"/>
-              <a:t>Fim do algoritmo.</a:t>
+              <a:t>Crie um algoritmo que peça para entrar com seu nome e sua idade, nomes dos seus pais e irmãos e depois imprima na tela a resposta.</a:t>
             </a:r>
             <a:endParaRPr lang="pt-BR" dirty="0"/>
           </a:p>
@@ -4996,59 +4363,28 @@
             <p:ph idx="1"/>
           </p:nvPr>
         </p:nvSpPr>
-        <p:spPr/>
-        <p:txBody>
-          <a:bodyPr>
-            <a:normAutofit fontScale="70000" lnSpcReduction="20000"/>
-          </a:bodyPr>
-          <a:lstStyle/>
-          <a:p>
-            <a:r>
-              <a:rPr lang="pt-BR" dirty="0" smtClean="0"/>
-              <a:t>Dê o resultado que será exibido na tela depois da execução desse trecho do programa abaixo e diga qual será a saída correta.</a:t>
-            </a:r>
-          </a:p>
-          <a:p>
-            <a:r>
-              <a:rPr lang="pt-BR" dirty="0" smtClean="0"/>
-              <a:t>X  &lt;- 3</a:t>
-            </a:r>
-          </a:p>
-          <a:p>
-            <a:r>
-              <a:rPr lang="pt-BR" dirty="0" smtClean="0"/>
-              <a:t>Y  &lt;- 10</a:t>
-            </a:r>
-          </a:p>
-          <a:p>
-            <a:r>
-              <a:rPr lang="pt-BR" dirty="0" smtClean="0"/>
-              <a:t>R &lt;-  y </a:t>
+        <p:spPr>
+          <a:xfrm>
+            <a:off x="357158" y="285728"/>
+            <a:ext cx="8229600" cy="4525963"/>
+          </a:xfrm>
+        </p:spPr>
+        <p:txBody>
+          <a:bodyPr/>
+          <a:lstStyle/>
+          <a:p>
+            <a:r>
+              <a:rPr lang="pt-BR" dirty="0" smtClean="0"/>
+              <a:t>Observe as declarações de tipo abaixo. Considere a sintaxe de </a:t>
             </a:r>
             <a:r>
               <a:rPr lang="pt-BR" dirty="0" err="1" smtClean="0"/>
-              <a:t>mod</a:t>
-            </a:r>
-            <a:r>
-              <a:rPr lang="pt-BR" dirty="0" smtClean="0"/>
-              <a:t> x</a:t>
-            </a:r>
-          </a:p>
-          <a:p>
-            <a:r>
-              <a:rPr lang="pt-BR" dirty="0" err="1" smtClean="0"/>
-              <a:t>Escreval</a:t>
-            </a:r>
-            <a:r>
-              <a:rPr lang="pt-BR" dirty="0" smtClean="0"/>
-              <a:t>(R)</a:t>
-            </a:r>
-          </a:p>
-          <a:p>
-            <a:pPr>
-              <a:buNone/>
-            </a:pPr>
-            <a:endParaRPr lang="pt-BR" dirty="0"/>
+              <a:t>visualg</a:t>
+            </a:r>
+            <a:r>
+              <a:rPr lang="pt-BR" dirty="0" smtClean="0"/>
+              <a:t> e diga qual das afirmativas tem a sintaxe correta.</a:t>
+            </a:r>
           </a:p>
           <a:p>
             <a:pPr marL="514350" indent="-514350">
@@ -5056,7 +4392,7 @@
             </a:pPr>
             <a:r>
               <a:rPr lang="pt-BR" dirty="0" smtClean="0"/>
-              <a:t>3.3</a:t>
+              <a:t>real : 3d</a:t>
             </a:r>
           </a:p>
           <a:p>
@@ -5065,7 +4401,7 @@
             </a:pPr>
             <a:r>
               <a:rPr lang="pt-BR" dirty="0" smtClean="0"/>
-              <a:t>0.3</a:t>
+              <a:t>inteiro i</a:t>
             </a:r>
           </a:p>
           <a:p>
@@ -5073,8 +4409,12 @@
               <a:buAutoNum type="alphaUcParenR"/>
             </a:pPr>
             <a:r>
-              <a:rPr lang="pt-BR" dirty="0" smtClean="0"/>
-              <a:t>1</a:t>
+              <a:rPr lang="pt-BR" dirty="0" err="1" smtClean="0"/>
+              <a:t>float</a:t>
+            </a:r>
+            <a:r>
+              <a:rPr lang="pt-BR" dirty="0" smtClean="0"/>
+              <a:t> x;</a:t>
             </a:r>
           </a:p>
           <a:p>
@@ -5083,7 +4423,7 @@
             </a:pPr>
             <a:r>
               <a:rPr lang="pt-BR" dirty="0" smtClean="0"/>
-              <a:t>10</a:t>
+              <a:t>x : real</a:t>
             </a:r>
           </a:p>
           <a:p>
@@ -5091,9 +4431,15 @@
               <a:buAutoNum type="alphaUcParenR"/>
             </a:pPr>
             <a:r>
-              <a:rPr lang="pt-BR" dirty="0"/>
-              <a:t>3</a:t>
-            </a:r>
+              <a:rPr lang="pt-BR" dirty="0" smtClean="0"/>
+              <a:t>4a : inteiro</a:t>
+            </a:r>
+          </a:p>
+          <a:p>
+            <a:pPr marL="514350" indent="-514350">
+              <a:buNone/>
+            </a:pPr>
+            <a:endParaRPr lang="pt-BR" dirty="0"/>
           </a:p>
         </p:txBody>
       </p:sp>
@@ -5124,6 +4470,28 @@
       </p:grpSpPr>
       <p:sp>
         <p:nvSpPr>
+          <p:cNvPr id="2" name="Título 1"/>
+          <p:cNvSpPr>
+            <a:spLocks noGrp="1"/>
+          </p:cNvSpPr>
+          <p:nvPr>
+            <p:ph type="title"/>
+          </p:nvPr>
+        </p:nvSpPr>
+        <p:spPr/>
+        <p:txBody>
+          <a:bodyPr/>
+          <a:lstStyle/>
+          <a:p>
+            <a:r>
+              <a:rPr lang="pt-BR" dirty="0"/>
+              <a:t>	</a:t>
+            </a:r>
+          </a:p>
+        </p:txBody>
+      </p:sp>
+      <p:sp>
+        <p:nvSpPr>
           <p:cNvPr id="3" name="Espaço Reservado para Conteúdo 2"/>
           <p:cNvSpPr>
             <a:spLocks noGrp="1"/>
@@ -5132,77 +4500,22 @@
             <p:ph idx="1"/>
           </p:nvPr>
         </p:nvSpPr>
-        <p:spPr/>
-        <p:txBody>
-          <a:bodyPr/>
-          <a:lstStyle/>
-          <a:p>
-            <a:r>
-              <a:rPr lang="pt-BR" dirty="0" smtClean="0"/>
-              <a:t>Observe as declarações de tipo abaixo. Considere a sintaxe de </a:t>
-            </a:r>
-            <a:r>
-              <a:rPr lang="pt-BR" dirty="0" err="1" smtClean="0"/>
-              <a:t>visualg</a:t>
-            </a:r>
-            <a:r>
-              <a:rPr lang="pt-BR" dirty="0" smtClean="0"/>
-              <a:t> e diga qual das afirmativas tem a sintaxe correta.</a:t>
-            </a:r>
-          </a:p>
-          <a:p>
-            <a:pPr marL="514350" indent="-514350">
-              <a:buAutoNum type="alphaUcParenR"/>
-            </a:pPr>
-            <a:r>
-              <a:rPr lang="pt-BR" dirty="0" smtClean="0"/>
-              <a:t>real : 3d</a:t>
-            </a:r>
-          </a:p>
-          <a:p>
-            <a:pPr marL="514350" indent="-514350">
-              <a:buAutoNum type="alphaUcParenR"/>
-            </a:pPr>
-            <a:r>
-              <a:rPr lang="pt-BR" dirty="0" smtClean="0"/>
-              <a:t>inteiro i</a:t>
-            </a:r>
-          </a:p>
-          <a:p>
-            <a:pPr marL="514350" indent="-514350">
-              <a:buAutoNum type="alphaUcParenR"/>
-            </a:pPr>
-            <a:r>
-              <a:rPr lang="pt-BR" dirty="0" err="1" smtClean="0"/>
-              <a:t>float</a:t>
-            </a:r>
-            <a:r>
-              <a:rPr lang="pt-BR" dirty="0" smtClean="0"/>
-              <a:t> x;</a:t>
-            </a:r>
-          </a:p>
-          <a:p>
-            <a:pPr marL="514350" indent="-514350">
-              <a:buAutoNum type="alphaUcParenR"/>
-            </a:pPr>
-            <a:r>
-              <a:rPr lang="pt-BR" dirty="0" smtClean="0"/>
-              <a:t>x : real</a:t>
-            </a:r>
-          </a:p>
-          <a:p>
-            <a:pPr marL="514350" indent="-514350">
-              <a:buAutoNum type="alphaUcParenR"/>
-            </a:pPr>
-            <a:r>
-              <a:rPr lang="pt-BR" dirty="0" smtClean="0"/>
-              <a:t>4a : inteiro</a:t>
-            </a:r>
-          </a:p>
-          <a:p>
-            <a:pPr marL="514350" indent="-514350">
-              <a:buNone/>
-            </a:pPr>
+        <p:spPr>
+          <a:xfrm>
+            <a:off x="500034" y="2332037"/>
+            <a:ext cx="8229600" cy="4525963"/>
+          </a:xfrm>
+        </p:spPr>
+        <p:txBody>
+          <a:bodyPr>
+            <a:normAutofit/>
+          </a:bodyPr>
+          <a:lstStyle/>
+          <a:p>
+            <a:r>
+              <a:rPr lang="pt-BR" dirty="0" smtClean="0"/>
+              <a:t>Vimos nas aulas passadas a importante definição do que é um algoritmo, tendo em vista, qual a definição mais apropriada nas</a:t>
+            </a:r>
             <a:endParaRPr lang="pt-BR" dirty="0"/>
           </a:p>
         </p:txBody>
@@ -5234,48 +4547,146 @@
       </p:grpSpPr>
       <p:sp>
         <p:nvSpPr>
-          <p:cNvPr id="2" name="Título 1"/>
-          <p:cNvSpPr>
-            <a:spLocks noGrp="1"/>
-          </p:cNvSpPr>
-          <p:nvPr>
-            <p:ph type="title"/>
-          </p:nvPr>
-        </p:nvSpPr>
-        <p:spPr/>
-        <p:txBody>
-          <a:bodyPr/>
-          <a:lstStyle/>
-          <a:p>
-            <a:r>
-              <a:rPr lang="pt-BR" dirty="0"/>
-              <a:t>	</a:t>
-            </a:r>
-          </a:p>
-        </p:txBody>
-      </p:sp>
-      <p:sp>
-        <p:nvSpPr>
-          <p:cNvPr id="3" name="Espaço Reservado para Conteúdo 2"/>
-          <p:cNvSpPr>
-            <a:spLocks noGrp="1"/>
-          </p:cNvSpPr>
-          <p:nvPr>
-            <p:ph idx="1"/>
-          </p:nvPr>
-        </p:nvSpPr>
-        <p:spPr/>
-        <p:txBody>
-          <a:bodyPr>
-            <a:normAutofit/>
+          <p:cNvPr id="4" name="Retângulo 3"/>
+          <p:cNvSpPr/>
+          <p:nvPr/>
+        </p:nvSpPr>
+        <p:spPr>
+          <a:xfrm>
+            <a:off x="500034" y="214291"/>
+            <a:ext cx="8143932" cy="7109639"/>
+          </a:xfrm>
+          <a:prstGeom prst="rect">
+            <a:avLst/>
+          </a:prstGeom>
+        </p:spPr>
+        <p:txBody>
+          <a:bodyPr wrap="square">
+            <a:spAutoFit/>
           </a:bodyPr>
           <a:lstStyle/>
           <a:p>
-            <a:r>
-              <a:rPr lang="pt-BR" dirty="0" smtClean="0"/>
-              <a:t>Vimos nas aulas passadas a importante definição do que é um algoritmo, tendo em vista, qual a definição mais apropriada nas</a:t>
-            </a:r>
-            <a:endParaRPr lang="pt-BR" dirty="0"/>
+            <a:pPr marL="514350" indent="-514350">
+              <a:buAutoNum type="alphaUcParenR"/>
+            </a:pPr>
+            <a:r>
+              <a:rPr lang="pt-BR" sz="2400" dirty="0" smtClean="0"/>
+              <a:t>Uma </a:t>
+            </a:r>
+            <a:r>
+              <a:rPr lang="pt-BR" sz="2400" dirty="0" err="1" smtClean="0"/>
+              <a:t>sequência</a:t>
+            </a:r>
+            <a:r>
+              <a:rPr lang="pt-BR" sz="2400" dirty="0" smtClean="0"/>
+              <a:t> de passos que, desde que executadas na ordem correta, executam uma determinada tarefa.</a:t>
+            </a:r>
+          </a:p>
+          <a:p>
+            <a:pPr marL="514350" indent="-514350">
+              <a:buAutoNum type="alphaUcParenR"/>
+            </a:pPr>
+            <a:endParaRPr lang="pt-BR" sz="2400" dirty="0" smtClean="0"/>
+          </a:p>
+          <a:p>
+            <a:pPr marL="514350" indent="-514350">
+              <a:buAutoNum type="alphaUcParenR"/>
+            </a:pPr>
+            <a:r>
+              <a:rPr lang="pt-BR" sz="2400" dirty="0" smtClean="0"/>
+              <a:t>Consiste numa </a:t>
+            </a:r>
+            <a:r>
+              <a:rPr lang="pt-BR" sz="2400" dirty="0" err="1" smtClean="0"/>
+              <a:t>sequência</a:t>
+            </a:r>
+            <a:r>
+              <a:rPr lang="pt-BR" sz="2400" dirty="0" smtClean="0"/>
+              <a:t> de passos informatizados que, se executados na ordem correta, executam uma determinada tarefa.</a:t>
+            </a:r>
+          </a:p>
+          <a:p>
+            <a:pPr marL="514350" indent="-514350">
+              <a:buAutoNum type="alphaUcParenR"/>
+            </a:pPr>
+            <a:endParaRPr lang="pt-BR" sz="2400" dirty="0" smtClean="0"/>
+          </a:p>
+          <a:p>
+            <a:pPr marL="514350" indent="-514350">
+              <a:buAutoNum type="alphaUcParenR"/>
+            </a:pPr>
+            <a:r>
+              <a:rPr lang="pt-BR" sz="2400" dirty="0" smtClean="0"/>
+              <a:t>Um programa de computador</a:t>
+            </a:r>
+          </a:p>
+          <a:p>
+            <a:pPr marL="514350" indent="-514350">
+              <a:buAutoNum type="alphaUcParenR"/>
+            </a:pPr>
+            <a:endParaRPr lang="pt-BR" sz="2400" dirty="0" smtClean="0"/>
+          </a:p>
+          <a:p>
+            <a:pPr marL="514350" indent="-514350">
+              <a:buAutoNum type="alphaUcParenR"/>
+            </a:pPr>
+            <a:r>
+              <a:rPr lang="pt-BR" sz="2400" dirty="0" err="1" smtClean="0"/>
+              <a:t>Sequência</a:t>
+            </a:r>
+            <a:r>
+              <a:rPr lang="pt-BR" sz="2400" dirty="0" smtClean="0"/>
+              <a:t> de passos que, sempre que executados na ordem correta podem ou não executar uma tarefa</a:t>
+            </a:r>
+          </a:p>
+          <a:p>
+            <a:pPr marL="514350" indent="-514350">
+              <a:buAutoNum type="alphaUcParenR"/>
+            </a:pPr>
+            <a:endParaRPr lang="pt-BR" sz="2400" dirty="0" smtClean="0"/>
+          </a:p>
+          <a:p>
+            <a:pPr marL="514350" indent="-514350">
+              <a:buAutoNum type="alphaUcParenR"/>
+            </a:pPr>
+            <a:r>
+              <a:rPr lang="pt-BR" sz="2400" dirty="0" err="1" smtClean="0"/>
+              <a:t>Sequência</a:t>
+            </a:r>
+            <a:r>
+              <a:rPr lang="pt-BR" sz="2400" dirty="0" smtClean="0"/>
+              <a:t> de passos que, se forem executados em qualquer ordem, executam uma determinada tarefa</a:t>
+            </a:r>
+          </a:p>
+          <a:p>
+            <a:pPr marL="514350" indent="-514350">
+              <a:buAutoNum type="alphaUcParenR"/>
+            </a:pPr>
+            <a:endParaRPr lang="pt-BR" sz="2400" dirty="0" smtClean="0"/>
+          </a:p>
+          <a:p>
+            <a:pPr marL="514350" indent="-514350">
+              <a:buAutoNum type="alphaUcParenR"/>
+            </a:pPr>
+            <a:endParaRPr lang="pt-BR" sz="2400" dirty="0" smtClean="0"/>
+          </a:p>
+          <a:p>
+            <a:pPr marL="514350" indent="-514350">
+              <a:buAutoNum type="alphaUcParenR"/>
+            </a:pPr>
+            <a:endParaRPr lang="pt-BR" sz="2400" dirty="0" smtClean="0"/>
+          </a:p>
+          <a:p>
+            <a:pPr marL="514350" indent="-514350">
+              <a:buAutoNum type="alphaUcParenR"/>
+            </a:pPr>
+            <a:endParaRPr lang="pt-BR" sz="2400" dirty="0" smtClean="0"/>
+          </a:p>
+          <a:p>
+            <a:pPr marL="514350" indent="-514350">
+              <a:buAutoNum type="alphaUcParenR"/>
+            </a:pPr>
+            <a:endParaRPr lang="pt-BR" sz="2400" dirty="0" smtClean="0"/>
           </a:p>
         </p:txBody>
       </p:sp>
@@ -5306,92 +4717,61 @@
       </p:grpSpPr>
       <p:sp>
         <p:nvSpPr>
-          <p:cNvPr id="4" name="Retângulo 3"/>
-          <p:cNvSpPr/>
-          <p:nvPr/>
+          <p:cNvPr id="3" name="Espaço Reservado para Conteúdo 2"/>
+          <p:cNvSpPr>
+            <a:spLocks noGrp="1"/>
+          </p:cNvSpPr>
+          <p:nvPr>
+            <p:ph idx="1"/>
+          </p:nvPr>
         </p:nvSpPr>
         <p:spPr>
           <a:xfrm>
-            <a:off x="642910" y="1928802"/>
-            <a:ext cx="7929618" cy="3785652"/>
+            <a:off x="500034" y="214290"/>
+            <a:ext cx="8229600" cy="4525963"/>
           </a:xfrm>
-          <a:prstGeom prst="rect">
-            <a:avLst/>
-          </a:prstGeom>
         </p:spPr>
         <p:txBody>
-          <a:bodyPr wrap="square">
-            <a:spAutoFit/>
+          <a:bodyPr>
+            <a:normAutofit fontScale="92500"/>
           </a:bodyPr>
           <a:lstStyle/>
           <a:p>
-            <a:pPr marL="514350" indent="-514350">
-              <a:buAutoNum type="alphaUcParenR"/>
-            </a:pPr>
-            <a:r>
-              <a:rPr lang="pt-BR" sz="2400" dirty="0" smtClean="0"/>
-              <a:t>Uma </a:t>
-            </a:r>
-            <a:r>
-              <a:rPr lang="pt-BR" sz="2400" dirty="0" err="1" smtClean="0"/>
-              <a:t>sequência</a:t>
-            </a:r>
-            <a:r>
-              <a:rPr lang="pt-BR" sz="2400" dirty="0" smtClean="0"/>
-              <a:t> de passos que, desde que executadas na ordem correta, executam uma determinada tarefa.</a:t>
-            </a:r>
-          </a:p>
-          <a:p>
-            <a:pPr marL="514350" indent="-514350">
-              <a:buAutoNum type="alphaUcParenR"/>
-            </a:pPr>
-            <a:r>
-              <a:rPr lang="pt-BR" sz="2400" dirty="0" smtClean="0"/>
-              <a:t>Consiste numa </a:t>
-            </a:r>
-            <a:r>
-              <a:rPr lang="pt-BR" sz="2400" dirty="0" err="1" smtClean="0"/>
-              <a:t>sequência</a:t>
-            </a:r>
-            <a:r>
-              <a:rPr lang="pt-BR" sz="2400" dirty="0" smtClean="0"/>
-              <a:t> de passos informatizados que, se executados na ordem correta, executam uma determinada tarefa.</a:t>
-            </a:r>
-          </a:p>
-          <a:p>
-            <a:pPr marL="514350" indent="-514350">
-              <a:buAutoNum type="alphaUcParenR"/>
-            </a:pPr>
-            <a:r>
-              <a:rPr lang="pt-BR" sz="2400" dirty="0" smtClean="0"/>
-              <a:t>Um programa de computador</a:t>
-            </a:r>
-          </a:p>
-          <a:p>
-            <a:pPr marL="514350" indent="-514350">
-              <a:buAutoNum type="alphaUcParenR"/>
-            </a:pPr>
-            <a:r>
-              <a:rPr lang="pt-BR" sz="2400" dirty="0" err="1" smtClean="0"/>
-              <a:t>Sequência</a:t>
-            </a:r>
-            <a:r>
-              <a:rPr lang="pt-BR" sz="2400" dirty="0" smtClean="0"/>
-              <a:t> de passos que, sempre que executados na ordem correta podem ou não executar uma tarefa</a:t>
-            </a:r>
-          </a:p>
-          <a:p>
-            <a:pPr marL="514350" indent="-514350">
-              <a:buAutoNum type="alphaUcParenR"/>
-            </a:pPr>
-            <a:r>
-              <a:rPr lang="pt-BR" sz="2400" dirty="0" err="1" smtClean="0"/>
-              <a:t>Sequência</a:t>
-            </a:r>
-            <a:r>
-              <a:rPr lang="pt-BR" sz="2400" dirty="0" smtClean="0"/>
-              <a:t> de passos que, se forem executados em qualquer ordem, executam uma determinada tarefa</a:t>
-            </a:r>
+            <a:r>
+              <a:rPr lang="pt-BR" dirty="0" smtClean="0"/>
+              <a:t>Crie um algoritmo que calcule a média de um aluno sabendo que ele fez 4 provas e suas notas foram respectivamente </a:t>
+            </a:r>
+          </a:p>
+          <a:p>
+            <a:r>
+              <a:rPr lang="pt-BR" dirty="0" smtClean="0"/>
+              <a:t>I – 9</a:t>
+            </a:r>
+          </a:p>
+          <a:p>
+            <a:r>
+              <a:rPr lang="pt-BR" dirty="0" smtClean="0"/>
+              <a:t>II – 7</a:t>
+            </a:r>
+          </a:p>
+          <a:p>
+            <a:r>
+              <a:rPr lang="pt-BR" dirty="0" smtClean="0"/>
+              <a:t>III - 5</a:t>
+            </a:r>
+          </a:p>
+          <a:p>
+            <a:r>
+              <a:rPr lang="pt-BR" dirty="0" smtClean="0"/>
+              <a:t>IV – 2</a:t>
+            </a:r>
+          </a:p>
+          <a:p>
+            <a:r>
+              <a:rPr lang="pt-BR" dirty="0" smtClean="0"/>
+              <a:t>Informe se ele aluno foi reprovado ou aprovado.</a:t>
+            </a:r>
+            <a:endParaRPr lang="pt-BR" dirty="0"/>
           </a:p>
         </p:txBody>
       </p:sp>
@@ -5422,25 +4802,6 @@
       </p:grpSpPr>
       <p:sp>
         <p:nvSpPr>
-          <p:cNvPr id="2" name="Título 1"/>
-          <p:cNvSpPr>
-            <a:spLocks noGrp="1"/>
-          </p:cNvSpPr>
-          <p:nvPr>
-            <p:ph type="title"/>
-          </p:nvPr>
-        </p:nvSpPr>
-        <p:spPr/>
-        <p:txBody>
-          <a:bodyPr/>
-          <a:lstStyle/>
-          <a:p>
-            <a:endParaRPr lang="pt-BR"/>
-          </a:p>
-        </p:txBody>
-      </p:sp>
-      <p:sp>
-        <p:nvSpPr>
           <p:cNvPr id="3" name="Espaço Reservado para Conteúdo 2"/>
           <p:cNvSpPr>
             <a:spLocks noGrp="1"/>
@@ -5449,7 +4810,12 @@
             <p:ph idx="1"/>
           </p:nvPr>
         </p:nvSpPr>
-        <p:spPr/>
+        <p:spPr>
+          <a:xfrm>
+            <a:off x="428596" y="214290"/>
+            <a:ext cx="8229600" cy="4525963"/>
+          </a:xfrm>
+        </p:spPr>
         <p:txBody>
           <a:bodyPr>
             <a:normAutofit fontScale="92500"/>
@@ -5458,37 +4824,68 @@
           <a:p>
             <a:r>
               <a:rPr lang="pt-BR" dirty="0" smtClean="0"/>
-              <a:t>Crie um algoritmo que calcule a média de um aluno sabendo que ele fez 4 provas e suas notas foram respectivamente </a:t>
-            </a:r>
-          </a:p>
-          <a:p>
-            <a:r>
-              <a:rPr lang="pt-BR" dirty="0" smtClean="0"/>
-              <a:t>I – 9</a:t>
-            </a:r>
-          </a:p>
-          <a:p>
-            <a:r>
-              <a:rPr lang="pt-BR" dirty="0" smtClean="0"/>
-              <a:t>II – 7</a:t>
-            </a:r>
-          </a:p>
-          <a:p>
-            <a:r>
-              <a:rPr lang="pt-BR" dirty="0" smtClean="0"/>
-              <a:t>III - 5</a:t>
-            </a:r>
-          </a:p>
-          <a:p>
-            <a:r>
-              <a:rPr lang="pt-BR" dirty="0" smtClean="0"/>
-              <a:t>IV – 2</a:t>
-            </a:r>
-          </a:p>
-          <a:p>
-            <a:r>
-              <a:rPr lang="pt-BR" dirty="0" smtClean="0"/>
-              <a:t>Informe se ele aluno foi reprovado ou aprovado.</a:t>
+              <a:t>Considere a sintaxe de </a:t>
+            </a:r>
+            <a:r>
+              <a:rPr lang="pt-BR" dirty="0" err="1" smtClean="0"/>
+              <a:t>visualg</a:t>
+            </a:r>
+            <a:r>
+              <a:rPr lang="pt-BR" dirty="0" smtClean="0"/>
+              <a:t>. Qual das alternativas tem os operadores do </a:t>
+            </a:r>
+            <a:r>
+              <a:rPr lang="pt-BR" dirty="0" err="1" smtClean="0"/>
+              <a:t>visualg</a:t>
+            </a:r>
+            <a:r>
+              <a:rPr lang="pt-BR" dirty="0" smtClean="0"/>
+              <a:t> estão usados de forma correta nas expressões?</a:t>
+            </a:r>
+          </a:p>
+          <a:p>
+            <a:pPr marL="514350" indent="-514350">
+              <a:buAutoNum type="alphaUcParenR"/>
+            </a:pPr>
+            <a:r>
+              <a:rPr lang="pt-BR" dirty="0" smtClean="0"/>
+              <a:t>MOD 5 &lt;- 7 * 4</a:t>
+            </a:r>
+          </a:p>
+          <a:p>
+            <a:pPr marL="514350" indent="-514350">
+              <a:buAutoNum type="alphaUcParenR"/>
+            </a:pPr>
+            <a:r>
+              <a:rPr lang="pt-BR" dirty="0" smtClean="0"/>
+              <a:t>Z&lt;- 3 \ 2</a:t>
+            </a:r>
+          </a:p>
+          <a:p>
+            <a:pPr marL="514350" indent="-514350">
+              <a:buAutoNum type="alphaUcParenR"/>
+            </a:pPr>
+            <a:r>
+              <a:rPr lang="pt-BR" dirty="0" smtClean="0"/>
+              <a:t>X-&gt; 2 + 5</a:t>
+            </a:r>
+          </a:p>
+          <a:p>
+            <a:pPr marL="514350" indent="-514350">
+              <a:buAutoNum type="alphaUcParenR"/>
+            </a:pPr>
+            <a:r>
+              <a:rPr lang="pt-BR" dirty="0" smtClean="0"/>
+              <a:t>Y &gt; 5 &lt;- x</a:t>
+            </a:r>
+          </a:p>
+          <a:p>
+            <a:pPr marL="514350" indent="-514350">
+              <a:buAutoNum type="alphaUcParenR"/>
+            </a:pPr>
+            <a:r>
+              <a:rPr lang="pt-BR" dirty="0" smtClean="0"/>
+              <a:t>2 + 2 = 4 &gt;- X</a:t>
             </a:r>
             <a:endParaRPr lang="pt-BR" dirty="0"/>
           </a:p>
@@ -5529,77 +4926,127 @@
             <p:ph idx="1"/>
           </p:nvPr>
         </p:nvSpPr>
-        <p:spPr/>
+        <p:spPr>
+          <a:xfrm>
+            <a:off x="485804" y="214290"/>
+            <a:ext cx="8229600" cy="4525963"/>
+          </a:xfrm>
+        </p:spPr>
         <p:txBody>
           <a:bodyPr>
-            <a:normAutofit fontScale="92500"/>
+            <a:normAutofit fontScale="85000" lnSpcReduction="20000"/>
           </a:bodyPr>
           <a:lstStyle/>
           <a:p>
             <a:r>
               <a:rPr lang="pt-BR" dirty="0" smtClean="0"/>
-              <a:t>Considere a sintaxe de </a:t>
-            </a:r>
+              <a:t>Qual alternativa é a correta para a saída do código abaixo? </a:t>
+            </a:r>
+          </a:p>
+          <a:p>
+            <a:pPr lvl="1">
+              <a:buNone/>
+            </a:pPr>
+            <a:r>
+              <a:rPr lang="pt-BR" dirty="0" smtClean="0"/>
+              <a:t>var </a:t>
+            </a:r>
+          </a:p>
+          <a:p>
+            <a:pPr lvl="1">
+              <a:buNone/>
+            </a:pPr>
+            <a:r>
+              <a:rPr lang="pt-BR" dirty="0"/>
+              <a:t>	</a:t>
+            </a:r>
+            <a:r>
+              <a:rPr lang="pt-BR" dirty="0" smtClean="0"/>
+              <a:t>a, b, c : inteiro</a:t>
+            </a:r>
+          </a:p>
+          <a:p>
+            <a:pPr lvl="1">
+              <a:buNone/>
+            </a:pPr>
+            <a:r>
+              <a:rPr lang="pt-BR" dirty="0"/>
+              <a:t>i</a:t>
+            </a:r>
+            <a:r>
+              <a:rPr lang="pt-BR" dirty="0" smtClean="0"/>
+              <a:t>nicio </a:t>
+            </a:r>
+          </a:p>
+          <a:p>
+            <a:pPr lvl="1">
+              <a:buNone/>
+            </a:pPr>
+            <a:r>
+              <a:rPr lang="pt-BR" dirty="0" smtClean="0"/>
+              <a:t>a &lt;- 7</a:t>
+            </a:r>
+          </a:p>
+          <a:p>
+            <a:pPr lvl="1">
+              <a:buNone/>
+            </a:pPr>
+            <a:r>
+              <a:rPr lang="pt-BR" dirty="0" smtClean="0"/>
+              <a:t>b &lt;-  a \ 2</a:t>
+            </a:r>
+          </a:p>
+          <a:p>
+            <a:pPr lvl="1">
+              <a:buNone/>
+            </a:pPr>
+            <a:r>
+              <a:rPr lang="pt-BR" dirty="0" smtClean="0"/>
+              <a:t>c &lt;- a</a:t>
+            </a:r>
+          </a:p>
+          <a:p>
+            <a:pPr lvl="1">
+              <a:buNone/>
+            </a:pPr>
+            <a:r>
+              <a:rPr lang="pt-BR" dirty="0" smtClean="0"/>
+              <a:t>a&lt;- b</a:t>
+            </a:r>
+          </a:p>
+          <a:p>
+            <a:pPr lvl="1">
+              <a:buNone/>
+            </a:pPr>
+            <a:r>
+              <a:rPr lang="pt-BR" dirty="0" smtClean="0"/>
+              <a:t>b&lt;- c</a:t>
+            </a:r>
+          </a:p>
+          <a:p>
+            <a:pPr lvl="1">
+              <a:buNone/>
+            </a:pPr>
             <a:r>
               <a:rPr lang="pt-BR" dirty="0" err="1" smtClean="0"/>
-              <a:t>visualg</a:t>
-            </a:r>
-            <a:r>
-              <a:rPr lang="pt-BR" dirty="0" smtClean="0"/>
-              <a:t>. Qual das alternativas tem os operadores do </a:t>
-            </a:r>
+              <a:t>Escreval</a:t>
+            </a:r>
+            <a:r>
+              <a:rPr lang="pt-BR" dirty="0" smtClean="0"/>
+              <a:t>(a)</a:t>
+            </a:r>
+          </a:p>
+          <a:p>
+            <a:pPr lvl="1">
+              <a:buNone/>
+            </a:pPr>
             <a:r>
               <a:rPr lang="pt-BR" dirty="0" err="1" smtClean="0"/>
-              <a:t>visualg</a:t>
-            </a:r>
-            <a:r>
-              <a:rPr lang="pt-BR" dirty="0" smtClean="0"/>
-              <a:t> estão usados de forma correta nas expressões?</a:t>
-            </a:r>
-          </a:p>
-          <a:p>
-            <a:pPr marL="514350" indent="-514350">
-              <a:buAutoNum type="alphaUcParenR"/>
-            </a:pPr>
-            <a:r>
-              <a:rPr lang="pt-BR" dirty="0" smtClean="0"/>
-              <a:t>MOD 5 &lt;- 7 * 4</a:t>
-            </a:r>
-          </a:p>
-          <a:p>
-            <a:pPr marL="514350" indent="-514350">
-              <a:buAutoNum type="alphaUcParenR"/>
-            </a:pPr>
-            <a:r>
-              <a:rPr lang="pt-BR" dirty="0" smtClean="0"/>
-              <a:t>Z&lt;- 3 \ 2</a:t>
-            </a:r>
-          </a:p>
-          <a:p>
-            <a:pPr marL="514350" indent="-514350">
-              <a:buAutoNum type="alphaUcParenR"/>
-            </a:pPr>
-            <a:r>
-              <a:rPr lang="pt-BR" dirty="0" smtClean="0"/>
-              <a:t>X-&gt; 2 + 5</a:t>
-            </a:r>
-          </a:p>
-          <a:p>
-            <a:pPr marL="514350" indent="-514350">
-              <a:buAutoNum type="alphaUcParenR"/>
-            </a:pPr>
-            <a:r>
-              <a:rPr lang="pt-BR" dirty="0" smtClean="0"/>
-              <a:t>Y &gt; 5 &lt;- x</a:t>
-            </a:r>
-          </a:p>
-          <a:p>
-            <a:pPr marL="514350" indent="-514350">
-              <a:buAutoNum type="alphaUcParenR"/>
-            </a:pPr>
-            <a:r>
-              <a:rPr lang="pt-BR" dirty="0" smtClean="0"/>
-              <a:t>2 + 2 = 4 &gt;- X</a:t>
+              <a:t>fimalgoritmo</a:t>
+            </a:r>
+            <a:r>
+              <a:rPr lang="pt-BR" dirty="0" smtClean="0"/>
+              <a:t> </a:t>
             </a:r>
             <a:endParaRPr lang="pt-BR" dirty="0"/>
           </a:p>
